--- a/_site/lectures/Lecture10/Lecture10.pptx
+++ b/_site/lectures/Lecture10/Lecture10.pptx
@@ -16,6 +16,12 @@
     <p:sldId id="264" r:id="rId10"/>
     <p:sldId id="265" r:id="rId11"/>
     <p:sldId id="266" r:id="rId12"/>
+    <p:sldId id="267" r:id="rId13"/>
+    <p:sldId id="268" r:id="rId14"/>
+    <p:sldId id="269" r:id="rId15"/>
+    <p:sldId id="270" r:id="rId16"/>
+    <p:sldId id="271" r:id="rId17"/>
+    <p:sldId id="272" r:id="rId18"/>
   </p:sldIdLst>
   <p:sldSz cx="12192000" cy="6858000"/>
   <p:notesSz cx="6858000" cy="9144000"/>
@@ -5032,8 +5038,8 @@
               <a:buNone/>
             </a:pPr>
             <a:r>
-              <a:rPr b="1"/>
-              <a:t>APA style will be the focus of Week 16.</a:t>
+              <a:rPr/>
+              <a:t>Weeks 10 - 13 Lectures</a:t>
             </a:r>
           </a:p>
         </p:txBody>
@@ -5064,7 +5070,7 @@
             </a:pPr>
             <a:r>
               <a:rPr/>
-              <a:t>APA 7 Reference Cheat Sheet</a:t>
+              <a:t>An immersive introduction to Qualitative Research.</a:t>
             </a:r>
           </a:p>
           <a:p>
@@ -5073,32 +5079,7 @@
             </a:pPr>
             <a:r>
               <a:rPr/>
-              <a:t>A key part of APA 7</a:t>
-            </a:r>
-            <a:r>
-              <a:rPr baseline="30000"/>
-              <a:t>th</a:t>
-            </a:r>
-            <a:r>
-              <a:rPr/>
-              <a:t> Edition is reference format. </a:t>
-            </a:r>
-            <a:r>
-              <a:rPr b="1"/>
-              <a:t>We will also cover this briefly in week 16</a:t>
-            </a:r>
-            <a:r>
-              <a:rPr/>
-              <a:t>. </a:t>
-            </a:r>
-          </a:p>
-          <a:p>
-            <a:pPr lvl="0" indent="0" marL="0">
-              <a:buNone/>
-            </a:pPr>
-            <a:r>
-              <a:rPr/>
-              <a:t>We will share a number of other electronic resources that might help you ensure you follow the correct format, but in the first instance, this Cheat Sheet will be very handy.</a:t>
+              <a:t>Week 3 Design &amp; Analysis Lab will be a workshop on Qualitative Interview Coding and Analysis</a:t>
             </a:r>
           </a:p>
         </p:txBody>
@@ -5159,7 +5140,7 @@
             </a:pPr>
             <a:r>
               <a:rPr/>
-              <a:t>Mini-Dissertation Extended Marking Criteria</a:t>
+              <a:t>New on the VLE</a:t>
             </a:r>
           </a:p>
         </p:txBody>
@@ -5189,16 +5170,8 @@
               <a:buNone/>
             </a:pPr>
             <a:r>
-              <a:rPr/>
-              <a:t>Another resource we’ve given you today is an </a:t>
-            </a:r>
-            <a:r>
               <a:rPr b="1"/>
-              <a:t>extended Mini-Dissertation Marking Criteria</a:t>
-            </a:r>
-            <a:r>
-              <a:rPr/>
-              <a:t>.</a:t>
+              <a:t>You can find these all on the VLE in the</a:t>
             </a:r>
           </a:p>
           <a:p>
@@ -5206,45 +5179,291 @@
               <a:buNone/>
             </a:pPr>
             <a:r>
+              <a:rPr b="1"/>
+              <a:t>‘Mini-Dissertation resources’ section of the VLE</a:t>
+            </a:r>
+          </a:p>
+          <a:p>
+            <a:pPr lvl="0"/>
+            <a:r>
               <a:rPr/>
-              <a:t>These are the criteria used by the markers and moderators to calibrate marks and ensure accuracy and consistency.</a:t>
-            </a:r>
-          </a:p>
-          <a:p>
-            <a:pPr lvl="0" indent="0" marL="0">
-              <a:buNone/>
-            </a:pPr>
+              <a:t>An APA 7</a:t>
+            </a:r>
+            <a:r>
+              <a:rPr baseline="30000"/>
+              <a:t>th</a:t>
+            </a:r>
             <a:r>
               <a:rPr/>
-              <a:t>An abbreviated version will be attached to the feedback that you receive.</a:t>
-            </a:r>
-          </a:p>
-          <a:p>
-            <a:pPr lvl="0" indent="0" marL="0">
-              <a:buNone/>
-            </a:pPr>
+              <a:t> Edition Mini-Dissertation template word document</a:t>
+            </a:r>
+          </a:p>
+          <a:p>
+            <a:pPr lvl="0"/>
             <a:r>
               <a:rPr/>
-              <a:t>You will see that there are numerous categories, but each requires some consideration. Have a look over this when you get some time.</a:t>
-            </a:r>
-          </a:p>
-          <a:p>
-            <a:pPr lvl="0" indent="0" marL="0">
-              <a:buNone/>
-            </a:pPr>
+              <a:t>An APA 7</a:t>
+            </a:r>
+            <a:r>
+              <a:rPr baseline="30000"/>
+              <a:t>th</a:t>
+            </a:r>
             <a:r>
               <a:rPr/>
-              <a:t>A screencast will be provided discussing this in more detail, overviewing submission requirements, and highlighting common pitfalls, and tips for the top!</a:t>
+              <a:t> Edition Reference Cheat Sheet</a:t>
+            </a:r>
+          </a:p>
+          <a:p>
+            <a:pPr lvl="0"/>
+            <a:r>
+              <a:rPr/>
+              <a:t>Extended Mini-Dissertation Marking Criteria</a:t>
+            </a:r>
+          </a:p>
+          <a:p>
+            <a:pPr lvl="0"/>
+            <a:r>
+              <a:rPr/>
+              <a:t>2 x Example Mini-Dissertations</a:t>
             </a:r>
           </a:p>
         </p:txBody>
       </p:sp>
     </p:spTree>
   </p:cSld>
+  <p:timing>
+    <p:tnLst>
+      <p:par>
+        <p:cTn id="1" dur="indefinite" restart="never" nodeType="tmRoot">
+          <p:childTnLst>
+            <p:seq concurrent="1" nextAc="seek">
+              <p:cTn id="2" dur="indefinite" nodeType="mainSeq">
+                <p:childTnLst>
+                  <p:par>
+                    <p:cTn id="3" fill="hold">
+                      <p:stCondLst>
+                        <p:cond delay="indefinite"/>
+                      </p:stCondLst>
+                      <p:childTnLst>
+                        <p:par>
+                          <p:cTn id="4" fill="hold">
+                            <p:stCondLst>
+                              <p:cond delay="0"/>
+                            </p:stCondLst>
+                            <p:childTnLst>
+                              <p:par>
+                                <p:cTn id="5" presetID="1" presetClass="entr" presetSubtype="0" fill="hold" grpId="0" nodeType="clickEffect">
+                                  <p:stCondLst>
+                                    <p:cond delay="0"/>
+                                  </p:stCondLst>
+                                  <p:childTnLst>
+                                    <p:set>
+                                      <p:cBhvr>
+                                        <p:cTn id="6" dur="1" fill="hold">
+                                          <p:stCondLst>
+                                            <p:cond delay="0"/>
+                                          </p:stCondLst>
+                                        </p:cTn>
+                                        <p:tgtEl>
+                                          <p:spTgt spid="3">
+                                            <p:txEl>
+                                              <p:pRg st="2" end="2"/>
+                                            </p:txEl>
+                                          </p:spTgt>
+                                        </p:tgtEl>
+                                        <p:attrNameLst>
+                                          <p:attrName>style.visibility</p:attrName>
+                                        </p:attrNameLst>
+                                      </p:cBhvr>
+                                      <p:to>
+                                        <p:strVal val="visible"/>
+                                      </p:to>
+                                    </p:set>
+                                  </p:childTnLst>
+                                </p:cTn>
+                              </p:par>
+                            </p:childTnLst>
+                          </p:cTn>
+                        </p:par>
+                      </p:childTnLst>
+                    </p:cTn>
+                  </p:par>
+                  <p:par>
+                    <p:cTn id="7" fill="hold">
+                      <p:stCondLst>
+                        <p:cond delay="indefinite"/>
+                      </p:stCondLst>
+                      <p:childTnLst>
+                        <p:par>
+                          <p:cTn id="8" fill="hold">
+                            <p:stCondLst>
+                              <p:cond delay="0"/>
+                            </p:stCondLst>
+                            <p:childTnLst>
+                              <p:par>
+                                <p:cTn id="9" presetID="1" presetClass="entr" presetSubtype="0" fill="hold" grpId="0" nodeType="clickEffect">
+                                  <p:stCondLst>
+                                    <p:cond delay="0"/>
+                                  </p:stCondLst>
+                                  <p:childTnLst>
+                                    <p:set>
+                                      <p:cBhvr>
+                                        <p:cTn id="10" dur="1" fill="hold">
+                                          <p:stCondLst>
+                                            <p:cond delay="0"/>
+                                          </p:stCondLst>
+                                        </p:cTn>
+                                        <p:tgtEl>
+                                          <p:spTgt spid="3">
+                                            <p:txEl>
+                                              <p:pRg st="3" end="3"/>
+                                            </p:txEl>
+                                          </p:spTgt>
+                                        </p:tgtEl>
+                                        <p:attrNameLst>
+                                          <p:attrName>style.visibility</p:attrName>
+                                        </p:attrNameLst>
+                                      </p:cBhvr>
+                                      <p:to>
+                                        <p:strVal val="visible"/>
+                                      </p:to>
+                                    </p:set>
+                                  </p:childTnLst>
+                                </p:cTn>
+                              </p:par>
+                            </p:childTnLst>
+                          </p:cTn>
+                        </p:par>
+                      </p:childTnLst>
+                    </p:cTn>
+                  </p:par>
+                  <p:par>
+                    <p:cTn id="11" fill="hold">
+                      <p:stCondLst>
+                        <p:cond delay="indefinite"/>
+                      </p:stCondLst>
+                      <p:childTnLst>
+                        <p:par>
+                          <p:cTn id="12" fill="hold">
+                            <p:stCondLst>
+                              <p:cond delay="0"/>
+                            </p:stCondLst>
+                            <p:childTnLst>
+                              <p:par>
+                                <p:cTn id="13" presetID="1" presetClass="entr" presetSubtype="0" fill="hold" grpId="0" nodeType="clickEffect">
+                                  <p:stCondLst>
+                                    <p:cond delay="0"/>
+                                  </p:stCondLst>
+                                  <p:childTnLst>
+                                    <p:set>
+                                      <p:cBhvr>
+                                        <p:cTn id="14" dur="1" fill="hold">
+                                          <p:stCondLst>
+                                            <p:cond delay="0"/>
+                                          </p:stCondLst>
+                                        </p:cTn>
+                                        <p:tgtEl>
+                                          <p:spTgt spid="3">
+                                            <p:txEl>
+                                              <p:pRg st="4" end="4"/>
+                                            </p:txEl>
+                                          </p:spTgt>
+                                        </p:tgtEl>
+                                        <p:attrNameLst>
+                                          <p:attrName>style.visibility</p:attrName>
+                                        </p:attrNameLst>
+                                      </p:cBhvr>
+                                      <p:to>
+                                        <p:strVal val="visible"/>
+                                      </p:to>
+                                    </p:set>
+                                  </p:childTnLst>
+                                </p:cTn>
+                              </p:par>
+                            </p:childTnLst>
+                          </p:cTn>
+                        </p:par>
+                      </p:childTnLst>
+                    </p:cTn>
+                  </p:par>
+                  <p:par>
+                    <p:cTn id="15" fill="hold">
+                      <p:stCondLst>
+                        <p:cond delay="indefinite"/>
+                      </p:stCondLst>
+                      <p:childTnLst>
+                        <p:par>
+                          <p:cTn id="16" fill="hold">
+                            <p:stCondLst>
+                              <p:cond delay="0"/>
+                            </p:stCondLst>
+                            <p:childTnLst>
+                              <p:par>
+                                <p:cTn id="17" presetID="1" presetClass="entr" presetSubtype="0" fill="hold" grpId="0" nodeType="clickEffect">
+                                  <p:stCondLst>
+                                    <p:cond delay="0"/>
+                                  </p:stCondLst>
+                                  <p:childTnLst>
+                                    <p:set>
+                                      <p:cBhvr>
+                                        <p:cTn id="18" dur="1" fill="hold">
+                                          <p:stCondLst>
+                                            <p:cond delay="0"/>
+                                          </p:stCondLst>
+                                        </p:cTn>
+                                        <p:tgtEl>
+                                          <p:spTgt spid="3">
+                                            <p:txEl>
+                                              <p:pRg st="5" end="5"/>
+                                            </p:txEl>
+                                          </p:spTgt>
+                                        </p:tgtEl>
+                                        <p:attrNameLst>
+                                          <p:attrName>style.visibility</p:attrName>
+                                        </p:attrNameLst>
+                                      </p:cBhvr>
+                                      <p:to>
+                                        <p:strVal val="visible"/>
+                                      </p:to>
+                                    </p:set>
+                                  </p:childTnLst>
+                                </p:cTn>
+                              </p:par>
+                            </p:childTnLst>
+                          </p:cTn>
+                        </p:par>
+                      </p:childTnLst>
+                    </p:cTn>
+                  </p:par>
+                </p:childTnLst>
+              </p:cTn>
+              <p:prevCondLst>
+                <p:cond evt="onPrev" delay="0">
+                  <p:tgtEl>
+                    <p:sldTgt/>
+                  </p:tgtEl>
+                </p:cond>
+              </p:prevCondLst>
+              <p:nextCondLst>
+                <p:cond evt="onNext" delay="0">
+                  <p:tgtEl>
+                    <p:sldTgt/>
+                  </p:tgtEl>
+                </p:cond>
+              </p:nextCondLst>
+            </p:seq>
+          </p:childTnLst>
+        </p:cTn>
+      </p:par>
+    </p:tnLst>
+    <p:bldLst>
+      <p:bldP spid="3" grpId="0" uiExpand="1" build="p"/>
+    </p:bldLst>
+  </p:timing>
 </p:sld>
 </file>
 
-<file path=ppt/slides/slide2.xml><?xml version="1.0" encoding="utf-8"?>
+<file path=ppt/slides/slide12.xml><?xml version="1.0" encoding="utf-8"?>
 <p:sld xmlns:a="http://schemas.openxmlformats.org/drawingml/2006/main" xmlns:r="http://schemas.openxmlformats.org/officeDocument/2006/relationships" xmlns:p="http://schemas.openxmlformats.org/presentationml/2006/main">
   <p:cSld>
     <p:spTree>
@@ -5266,7 +5485,7 @@
           <p:cNvPr id="2" name="Title 1">
             <a:extLst>
               <a:ext uri="{FF2B5EF4-FFF2-40B4-BE49-F238E27FC236}">
-                <a16:creationId xmlns:a16="http://schemas.microsoft.com/office/drawing/2014/main" id="{FF6A6CB2-D1B6-B94A-84C1-83C65423C650}"/>
+                <a16:creationId xmlns:a16="http://schemas.microsoft.com/office/drawing/2014/main" id="{DD9B8E45-0772-954C-8D4B-6E6808DFEDED}"/>
               </a:ext>
             </a:extLst>
           </p:cNvPr>
@@ -5279,8 +5498,8 @@
         </p:nvSpPr>
         <p:spPr>
           <a:xfrm>
-            <a:off x="831851" y="1709742"/>
-            <a:ext cx="10515600" cy="2852737"/>
+            <a:off x="838200" y="365129"/>
+            <a:ext cx="10002520" cy="1325563"/>
           </a:xfrm>
           <a:prstGeom prst="rect">
             <a:avLst/>
@@ -5295,17 +5514,266 @@
             </a:pPr>
             <a:r>
               <a:rPr/>
-              <a:t>Phase 2 Overview</a:t>
+              <a:t>APA 7 Mini-Dissertation Template</a:t>
+            </a:r>
+          </a:p>
+        </p:txBody>
+      </p:sp>
+      <p:sp>
+        <p:nvSpPr>
+          <p:cNvPr id="3" name="Content Placeholder 2">
+            <a:extLst>
+              <a:ext uri="{FF2B5EF4-FFF2-40B4-BE49-F238E27FC236}">
+                <a16:creationId xmlns:a16="http://schemas.microsoft.com/office/drawing/2014/main" id="{A4EB24F9-04F1-C843-9D71-56C5C024552B}"/>
+              </a:ext>
+            </a:extLst>
+          </p:cNvPr>
+          <p:cNvSpPr>
+            <a:spLocks noGrp="1"/>
+          </p:cNvSpPr>
+          <p:nvPr>
+            <p:ph idx="1"/>
+          </p:nvPr>
+        </p:nvSpPr>
+        <p:spPr/>
+        <p:txBody>
+          <a:bodyPr/>
+          <a:lstStyle/>
+          <a:p>
+            <a:pPr lvl="0" indent="0" marL="0">
+              <a:buNone/>
+            </a:pPr>
+            <a:r>
+              <a:rPr/>
+              <a:t>Your Mini-Dissertations must conform to the correct format. Easy marks.</a:t>
+            </a:r>
+          </a:p>
+          <a:p>
+            <a:pPr lvl="0" indent="0" marL="0">
+              <a:buNone/>
+            </a:pPr>
+            <a:r>
+              <a:rPr b="1"/>
+              <a:t>We use APA 7</a:t>
+            </a:r>
+            <a:r>
+              <a:rPr b="1" baseline="30000"/>
+              <a:t>th</a:t>
+            </a:r>
+            <a:r>
+              <a:rPr b="1"/>
+              <a:t> Edition and in the style of a professional journal article manuscript submission.</a:t>
+            </a:r>
+          </a:p>
+          <a:p>
+            <a:pPr lvl="0"/>
+            <a:r>
+              <a:rPr/>
+              <a:t>The word document template features all the major stylistic formatting you will need, with some helpful pointers throughout.</a:t>
+            </a:r>
+          </a:p>
+          <a:p>
+            <a:pPr lvl="0"/>
+            <a:r>
+              <a:rPr/>
+              <a:t>When you write your Mini-Dissertation, you just need to delete all the tips and put in your wonderfully crafted prose and results!</a:t>
+            </a:r>
+          </a:p>
+          <a:p>
+            <a:pPr lvl="0"/>
+            <a:r>
+              <a:rPr/>
+              <a:t>A common mistake is to deviate from the APA formatting. Please try not to do this! It counts.</a:t>
             </a:r>
           </a:p>
         </p:txBody>
       </p:sp>
     </p:spTree>
   </p:cSld>
+  <p:timing>
+    <p:tnLst>
+      <p:par>
+        <p:cTn id="1" dur="indefinite" restart="never" nodeType="tmRoot">
+          <p:childTnLst>
+            <p:seq concurrent="1" nextAc="seek">
+              <p:cTn id="2" dur="indefinite" nodeType="mainSeq">
+                <p:childTnLst>
+                  <p:par>
+                    <p:cTn id="3" fill="hold">
+                      <p:stCondLst>
+                        <p:cond delay="indefinite"/>
+                      </p:stCondLst>
+                      <p:childTnLst>
+                        <p:par>
+                          <p:cTn id="4" fill="hold">
+                            <p:stCondLst>
+                              <p:cond delay="0"/>
+                            </p:stCondLst>
+                            <p:childTnLst>
+                              <p:par>
+                                <p:cTn id="5" presetID="1" presetClass="entr" presetSubtype="0" fill="hold" grpId="0" nodeType="clickEffect">
+                                  <p:stCondLst>
+                                    <p:cond delay="0"/>
+                                  </p:stCondLst>
+                                  <p:childTnLst>
+                                    <p:set>
+                                      <p:cBhvr>
+                                        <p:cTn id="6" dur="1" fill="hold">
+                                          <p:stCondLst>
+                                            <p:cond delay="0"/>
+                                          </p:stCondLst>
+                                        </p:cTn>
+                                        <p:tgtEl>
+                                          <p:spTgt spid="3">
+                                            <p:txEl>
+                                              <p:pRg st="2" end="2"/>
+                                            </p:txEl>
+                                          </p:spTgt>
+                                        </p:tgtEl>
+                                        <p:attrNameLst>
+                                          <p:attrName>style.visibility</p:attrName>
+                                        </p:attrNameLst>
+                                      </p:cBhvr>
+                                      <p:to>
+                                        <p:strVal val="visible"/>
+                                      </p:to>
+                                    </p:set>
+                                  </p:childTnLst>
+                                </p:cTn>
+                              </p:par>
+                            </p:childTnLst>
+                          </p:cTn>
+                        </p:par>
+                      </p:childTnLst>
+                    </p:cTn>
+                  </p:par>
+                  <p:par>
+                    <p:cTn id="7" fill="hold">
+                      <p:stCondLst>
+                        <p:cond delay="indefinite"/>
+                      </p:stCondLst>
+                      <p:childTnLst>
+                        <p:par>
+                          <p:cTn id="8" fill="hold">
+                            <p:stCondLst>
+                              <p:cond delay="0"/>
+                            </p:stCondLst>
+                            <p:childTnLst>
+                              <p:par>
+                                <p:cTn id="9" presetID="1" presetClass="entr" presetSubtype="0" fill="hold" grpId="0" nodeType="clickEffect">
+                                  <p:stCondLst>
+                                    <p:cond delay="0"/>
+                                  </p:stCondLst>
+                                  <p:childTnLst>
+                                    <p:set>
+                                      <p:cBhvr>
+                                        <p:cTn id="10" dur="1" fill="hold">
+                                          <p:stCondLst>
+                                            <p:cond delay="0"/>
+                                          </p:stCondLst>
+                                        </p:cTn>
+                                        <p:tgtEl>
+                                          <p:spTgt spid="3">
+                                            <p:txEl>
+                                              <p:pRg st="3" end="3"/>
+                                            </p:txEl>
+                                          </p:spTgt>
+                                        </p:tgtEl>
+                                        <p:attrNameLst>
+                                          <p:attrName>style.visibility</p:attrName>
+                                        </p:attrNameLst>
+                                      </p:cBhvr>
+                                      <p:to>
+                                        <p:strVal val="visible"/>
+                                      </p:to>
+                                    </p:set>
+                                  </p:childTnLst>
+                                </p:cTn>
+                              </p:par>
+                            </p:childTnLst>
+                          </p:cTn>
+                        </p:par>
+                      </p:childTnLst>
+                    </p:cTn>
+                  </p:par>
+                  <p:par>
+                    <p:cTn id="11" fill="hold">
+                      <p:stCondLst>
+                        <p:cond delay="indefinite"/>
+                      </p:stCondLst>
+                      <p:childTnLst>
+                        <p:par>
+                          <p:cTn id="12" fill="hold">
+                            <p:stCondLst>
+                              <p:cond delay="0"/>
+                            </p:stCondLst>
+                            <p:childTnLst>
+                              <p:par>
+                                <p:cTn id="13" presetID="1" presetClass="entr" presetSubtype="0" fill="hold" grpId="0" nodeType="clickEffect">
+                                  <p:stCondLst>
+                                    <p:cond delay="0"/>
+                                  </p:stCondLst>
+                                  <p:childTnLst>
+                                    <p:set>
+                                      <p:cBhvr>
+                                        <p:cTn id="14" dur="1" fill="hold">
+                                          <p:stCondLst>
+                                            <p:cond delay="0"/>
+                                          </p:stCondLst>
+                                        </p:cTn>
+                                        <p:tgtEl>
+                                          <p:spTgt spid="3">
+                                            <p:txEl>
+                                              <p:pRg st="4" end="4"/>
+                                            </p:txEl>
+                                          </p:spTgt>
+                                        </p:tgtEl>
+                                        <p:attrNameLst>
+                                          <p:attrName>style.visibility</p:attrName>
+                                        </p:attrNameLst>
+                                      </p:cBhvr>
+                                      <p:to>
+                                        <p:strVal val="visible"/>
+                                      </p:to>
+                                    </p:set>
+                                  </p:childTnLst>
+                                </p:cTn>
+                              </p:par>
+                            </p:childTnLst>
+                          </p:cTn>
+                        </p:par>
+                      </p:childTnLst>
+                    </p:cTn>
+                  </p:par>
+                </p:childTnLst>
+              </p:cTn>
+              <p:prevCondLst>
+                <p:cond evt="onPrev" delay="0">
+                  <p:tgtEl>
+                    <p:sldTgt/>
+                  </p:tgtEl>
+                </p:cond>
+              </p:prevCondLst>
+              <p:nextCondLst>
+                <p:cond evt="onNext" delay="0">
+                  <p:tgtEl>
+                    <p:sldTgt/>
+                  </p:tgtEl>
+                </p:cond>
+              </p:nextCondLst>
+            </p:seq>
+          </p:childTnLst>
+        </p:cTn>
+      </p:par>
+    </p:tnLst>
+    <p:bldLst>
+      <p:bldP spid="3" grpId="0" uiExpand="1" build="p"/>
+    </p:bldLst>
+  </p:timing>
 </p:sld>
 </file>
 
-<file path=ppt/slides/slide3.xml><?xml version="1.0" encoding="utf-8"?>
+<file path=ppt/slides/slide13.xml><?xml version="1.0" encoding="utf-8"?>
 <p:sld xmlns:a="http://schemas.openxmlformats.org/drawingml/2006/main" xmlns:r="http://schemas.openxmlformats.org/officeDocument/2006/relationships" xmlns:p="http://schemas.openxmlformats.org/presentationml/2006/main">
   <p:cSld>
     <p:spTree>
@@ -5355,8 +5823,8 @@
               <a:buNone/>
             </a:pPr>
             <a:r>
-              <a:rPr/>
-              <a:t>The week ahead</a:t>
+              <a:rPr b="1"/>
+              <a:t>APA style will be the focus of Week 16.</a:t>
             </a:r>
           </a:p>
         </p:txBody>
@@ -5387,28 +5855,296 @@
             </a:pPr>
             <a:r>
               <a:rPr/>
-              <a:t>The week ahead (week 10)</a:t>
+              <a:t>APA 7 Reference Cheat Sheet</a:t>
             </a:r>
           </a:p>
           <a:p>
             <a:pPr lvl="0"/>
             <a:r>
               <a:rPr/>
-              <a:t>Lab Priority</a:t>
-            </a:r>
-          </a:p>
-          <a:p>
-            <a:pPr lvl="1"/>
+              <a:t>A key part of APA 7</a:t>
+            </a:r>
+            <a:r>
+              <a:rPr baseline="30000"/>
+              <a:t>th</a:t>
+            </a:r>
             <a:r>
               <a:rPr/>
-              <a:t>Mini-Dissertation Ethics status</a:t>
+              <a:t> Edition is reference format. </a:t>
+            </a:r>
+            <a:r>
+              <a:rPr b="1"/>
+              <a:t>We will also cover this briefly in week 16</a:t>
+            </a:r>
+            <a:r>
+              <a:rPr/>
+              <a:t>. </a:t>
             </a:r>
           </a:p>
           <a:p>
             <a:pPr lvl="0"/>
             <a:r>
               <a:rPr/>
-              <a:t>W10 Cognitive Essay Tutorial</a:t>
+              <a:t>We have already a number of other electronic resources that might help you ensure you follow the correct format, but in the first instance, this Cheat Sheet will be very handy.</a:t>
+            </a:r>
+          </a:p>
+        </p:txBody>
+      </p:sp>
+    </p:spTree>
+  </p:cSld>
+  <p:timing>
+    <p:tnLst>
+      <p:par>
+        <p:cTn id="1" dur="indefinite" restart="never" nodeType="tmRoot">
+          <p:childTnLst>
+            <p:seq concurrent="1" nextAc="seek">
+              <p:cTn id="2" dur="indefinite" nodeType="mainSeq">
+                <p:childTnLst>
+                  <p:par>
+                    <p:cTn id="3" fill="hold">
+                      <p:stCondLst>
+                        <p:cond delay="indefinite"/>
+                      </p:stCondLst>
+                      <p:childTnLst>
+                        <p:par>
+                          <p:cTn id="4" fill="hold">
+                            <p:stCondLst>
+                              <p:cond delay="0"/>
+                            </p:stCondLst>
+                            <p:childTnLst>
+                              <p:par>
+                                <p:cTn id="5" presetID="1" presetClass="entr" presetSubtype="0" fill="hold" grpId="0" nodeType="clickEffect">
+                                  <p:stCondLst>
+                                    <p:cond delay="0"/>
+                                  </p:stCondLst>
+                                  <p:childTnLst>
+                                    <p:set>
+                                      <p:cBhvr>
+                                        <p:cTn id="6" dur="1" fill="hold">
+                                          <p:stCondLst>
+                                            <p:cond delay="0"/>
+                                          </p:stCondLst>
+                                        </p:cTn>
+                                        <p:tgtEl>
+                                          <p:spTgt spid="3">
+                                            <p:txEl>
+                                              <p:pRg st="1" end="1"/>
+                                            </p:txEl>
+                                          </p:spTgt>
+                                        </p:tgtEl>
+                                        <p:attrNameLst>
+                                          <p:attrName>style.visibility</p:attrName>
+                                        </p:attrNameLst>
+                                      </p:cBhvr>
+                                      <p:to>
+                                        <p:strVal val="visible"/>
+                                      </p:to>
+                                    </p:set>
+                                  </p:childTnLst>
+                                </p:cTn>
+                              </p:par>
+                            </p:childTnLst>
+                          </p:cTn>
+                        </p:par>
+                      </p:childTnLst>
+                    </p:cTn>
+                  </p:par>
+                  <p:par>
+                    <p:cTn id="7" fill="hold">
+                      <p:stCondLst>
+                        <p:cond delay="indefinite"/>
+                      </p:stCondLst>
+                      <p:childTnLst>
+                        <p:par>
+                          <p:cTn id="8" fill="hold">
+                            <p:stCondLst>
+                              <p:cond delay="0"/>
+                            </p:stCondLst>
+                            <p:childTnLst>
+                              <p:par>
+                                <p:cTn id="9" presetID="1" presetClass="entr" presetSubtype="0" fill="hold" grpId="0" nodeType="clickEffect">
+                                  <p:stCondLst>
+                                    <p:cond delay="0"/>
+                                  </p:stCondLst>
+                                  <p:childTnLst>
+                                    <p:set>
+                                      <p:cBhvr>
+                                        <p:cTn id="10" dur="1" fill="hold">
+                                          <p:stCondLst>
+                                            <p:cond delay="0"/>
+                                          </p:stCondLst>
+                                        </p:cTn>
+                                        <p:tgtEl>
+                                          <p:spTgt spid="3">
+                                            <p:txEl>
+                                              <p:pRg st="2" end="2"/>
+                                            </p:txEl>
+                                          </p:spTgt>
+                                        </p:tgtEl>
+                                        <p:attrNameLst>
+                                          <p:attrName>style.visibility</p:attrName>
+                                        </p:attrNameLst>
+                                      </p:cBhvr>
+                                      <p:to>
+                                        <p:strVal val="visible"/>
+                                      </p:to>
+                                    </p:set>
+                                  </p:childTnLst>
+                                </p:cTn>
+                              </p:par>
+                            </p:childTnLst>
+                          </p:cTn>
+                        </p:par>
+                      </p:childTnLst>
+                    </p:cTn>
+                  </p:par>
+                </p:childTnLst>
+              </p:cTn>
+              <p:prevCondLst>
+                <p:cond evt="onPrev" delay="0">
+                  <p:tgtEl>
+                    <p:sldTgt/>
+                  </p:tgtEl>
+                </p:cond>
+              </p:prevCondLst>
+              <p:nextCondLst>
+                <p:cond evt="onNext" delay="0">
+                  <p:tgtEl>
+                    <p:sldTgt/>
+                  </p:tgtEl>
+                </p:cond>
+              </p:nextCondLst>
+            </p:seq>
+          </p:childTnLst>
+        </p:cTn>
+      </p:par>
+    </p:tnLst>
+    <p:bldLst>
+      <p:bldP spid="3" grpId="0" uiExpand="1" build="p"/>
+    </p:bldLst>
+  </p:timing>
+</p:sld>
+</file>
+
+<file path=ppt/slides/slide14.xml><?xml version="1.0" encoding="utf-8"?>
+<p:sld xmlns:a="http://schemas.openxmlformats.org/drawingml/2006/main" xmlns:r="http://schemas.openxmlformats.org/officeDocument/2006/relationships" xmlns:p="http://schemas.openxmlformats.org/presentationml/2006/main">
+  <p:cSld>
+    <p:spTree>
+      <p:nvGrpSpPr>
+        <p:cNvPr id="1" name=""/>
+        <p:cNvGrpSpPr/>
+        <p:nvPr/>
+      </p:nvGrpSpPr>
+      <p:grpSpPr>
+        <a:xfrm>
+          <a:off x="0" y="0"/>
+          <a:ext cx="0" cy="0"/>
+          <a:chOff x="0" y="0"/>
+          <a:chExt cx="0" cy="0"/>
+        </a:xfrm>
+      </p:grpSpPr>
+      <p:sp>
+        <p:nvSpPr>
+          <p:cNvPr id="2" name="Title 1">
+            <a:extLst>
+              <a:ext uri="{FF2B5EF4-FFF2-40B4-BE49-F238E27FC236}">
+                <a16:creationId xmlns:a16="http://schemas.microsoft.com/office/drawing/2014/main" id="{DD9B8E45-0772-954C-8D4B-6E6808DFEDED}"/>
+              </a:ext>
+            </a:extLst>
+          </p:cNvPr>
+          <p:cNvSpPr>
+            <a:spLocks noGrp="1"/>
+          </p:cNvSpPr>
+          <p:nvPr>
+            <p:ph type="title"/>
+          </p:nvPr>
+        </p:nvSpPr>
+        <p:spPr>
+          <a:xfrm>
+            <a:off x="838200" y="365129"/>
+            <a:ext cx="10002520" cy="1325563"/>
+          </a:xfrm>
+          <a:prstGeom prst="rect">
+            <a:avLst/>
+          </a:prstGeom>
+        </p:spPr>
+        <p:txBody>
+          <a:bodyPr/>
+          <a:lstStyle/>
+          <a:p>
+            <a:pPr lvl="0" indent="0" marL="0">
+              <a:buNone/>
+            </a:pPr>
+            <a:r>
+              <a:rPr/>
+              <a:t>Mini-Dissertation Extended Marking Criteria</a:t>
+            </a:r>
+          </a:p>
+        </p:txBody>
+      </p:sp>
+      <p:sp>
+        <p:nvSpPr>
+          <p:cNvPr id="3" name="Content Placeholder 2">
+            <a:extLst>
+              <a:ext uri="{FF2B5EF4-FFF2-40B4-BE49-F238E27FC236}">
+                <a16:creationId xmlns:a16="http://schemas.microsoft.com/office/drawing/2014/main" id="{A4EB24F9-04F1-C843-9D71-56C5C024552B}"/>
+              </a:ext>
+            </a:extLst>
+          </p:cNvPr>
+          <p:cNvSpPr>
+            <a:spLocks noGrp="1"/>
+          </p:cNvSpPr>
+          <p:nvPr>
+            <p:ph idx="1"/>
+          </p:nvPr>
+        </p:nvSpPr>
+        <p:spPr/>
+        <p:txBody>
+          <a:bodyPr/>
+          <a:lstStyle/>
+          <a:p>
+            <a:pPr lvl="0" indent="0" marL="0">
+              <a:buNone/>
+            </a:pPr>
+            <a:r>
+              <a:rPr/>
+              <a:t>Another resource we’ve given you today is an </a:t>
+            </a:r>
+            <a:r>
+              <a:rPr b="1"/>
+              <a:t>extended Mini-Dissertation Marking Criteria</a:t>
+            </a:r>
+            <a:r>
+              <a:rPr/>
+              <a:t>.</a:t>
+            </a:r>
+          </a:p>
+          <a:p>
+            <a:pPr lvl="0"/>
+            <a:r>
+              <a:rPr/>
+              <a:t>These are the criteria used by the markers and moderators to calibrate marks and ensure accuracy and consistency.</a:t>
+            </a:r>
+          </a:p>
+          <a:p>
+            <a:pPr lvl="0"/>
+            <a:r>
+              <a:rPr/>
+              <a:t>An abbreviated version will be attached to the feedback that you receive.</a:t>
+            </a:r>
+          </a:p>
+          <a:p>
+            <a:pPr lvl="0"/>
+            <a:r>
+              <a:rPr/>
+              <a:t>You will see that there are numerous categories, but each requires some consideration. Have a look over this when you get some time.</a:t>
+            </a:r>
+          </a:p>
+          <a:p>
+            <a:pPr lvl="0"/>
+            <a:r>
+              <a:rPr/>
+              <a:t>A screencast will be provided discussing this in more detail, overviewing submission requirements, and highlighting common pitfalls, and tips for the top!</a:t>
             </a:r>
           </a:p>
         </p:txBody>
@@ -5570,6 +6306,1439 @@
                       </p:childTnLst>
                     </p:cTn>
                   </p:par>
+                  <p:par>
+                    <p:cTn id="15" fill="hold">
+                      <p:stCondLst>
+                        <p:cond delay="indefinite"/>
+                      </p:stCondLst>
+                      <p:childTnLst>
+                        <p:par>
+                          <p:cTn id="16" fill="hold">
+                            <p:stCondLst>
+                              <p:cond delay="0"/>
+                            </p:stCondLst>
+                            <p:childTnLst>
+                              <p:par>
+                                <p:cTn id="17" presetID="1" presetClass="entr" presetSubtype="0" fill="hold" grpId="0" nodeType="clickEffect">
+                                  <p:stCondLst>
+                                    <p:cond delay="0"/>
+                                  </p:stCondLst>
+                                  <p:childTnLst>
+                                    <p:set>
+                                      <p:cBhvr>
+                                        <p:cTn id="18" dur="1" fill="hold">
+                                          <p:stCondLst>
+                                            <p:cond delay="0"/>
+                                          </p:stCondLst>
+                                        </p:cTn>
+                                        <p:tgtEl>
+                                          <p:spTgt spid="3">
+                                            <p:txEl>
+                                              <p:pRg st="4" end="4"/>
+                                            </p:txEl>
+                                          </p:spTgt>
+                                        </p:tgtEl>
+                                        <p:attrNameLst>
+                                          <p:attrName>style.visibility</p:attrName>
+                                        </p:attrNameLst>
+                                      </p:cBhvr>
+                                      <p:to>
+                                        <p:strVal val="visible"/>
+                                      </p:to>
+                                    </p:set>
+                                  </p:childTnLst>
+                                </p:cTn>
+                              </p:par>
+                            </p:childTnLst>
+                          </p:cTn>
+                        </p:par>
+                      </p:childTnLst>
+                    </p:cTn>
+                  </p:par>
+                </p:childTnLst>
+              </p:cTn>
+              <p:prevCondLst>
+                <p:cond evt="onPrev" delay="0">
+                  <p:tgtEl>
+                    <p:sldTgt/>
+                  </p:tgtEl>
+                </p:cond>
+              </p:prevCondLst>
+              <p:nextCondLst>
+                <p:cond evt="onNext" delay="0">
+                  <p:tgtEl>
+                    <p:sldTgt/>
+                  </p:tgtEl>
+                </p:cond>
+              </p:nextCondLst>
+            </p:seq>
+          </p:childTnLst>
+        </p:cTn>
+      </p:par>
+    </p:tnLst>
+    <p:bldLst>
+      <p:bldP spid="3" grpId="0" uiExpand="1" build="p"/>
+    </p:bldLst>
+  </p:timing>
+</p:sld>
+</file>
+
+<file path=ppt/slides/slide15.xml><?xml version="1.0" encoding="utf-8"?>
+<p:sld xmlns:a="http://schemas.openxmlformats.org/drawingml/2006/main" xmlns:r="http://schemas.openxmlformats.org/officeDocument/2006/relationships" xmlns:p="http://schemas.openxmlformats.org/presentationml/2006/main">
+  <p:cSld>
+    <p:spTree>
+      <p:nvGrpSpPr>
+        <p:cNvPr id="1" name=""/>
+        <p:cNvGrpSpPr/>
+        <p:nvPr/>
+      </p:nvGrpSpPr>
+      <p:grpSpPr>
+        <a:xfrm>
+          <a:off x="0" y="0"/>
+          <a:ext cx="0" cy="0"/>
+          <a:chOff x="0" y="0"/>
+          <a:chExt cx="0" cy="0"/>
+        </a:xfrm>
+      </p:grpSpPr>
+      <p:sp>
+        <p:nvSpPr>
+          <p:cNvPr id="2" name="Title 1">
+            <a:extLst>
+              <a:ext uri="{FF2B5EF4-FFF2-40B4-BE49-F238E27FC236}">
+                <a16:creationId xmlns:a16="http://schemas.microsoft.com/office/drawing/2014/main" id="{DD9B8E45-0772-954C-8D4B-6E6808DFEDED}"/>
+              </a:ext>
+            </a:extLst>
+          </p:cNvPr>
+          <p:cNvSpPr>
+            <a:spLocks noGrp="1"/>
+          </p:cNvSpPr>
+          <p:nvPr>
+            <p:ph type="title"/>
+          </p:nvPr>
+        </p:nvSpPr>
+        <p:spPr>
+          <a:xfrm>
+            <a:off x="838200" y="365129"/>
+            <a:ext cx="10002520" cy="1325563"/>
+          </a:xfrm>
+          <a:prstGeom prst="rect">
+            <a:avLst/>
+          </a:prstGeom>
+        </p:spPr>
+        <p:txBody>
+          <a:bodyPr/>
+          <a:lstStyle/>
+          <a:p>
+            <a:pPr lvl="0" indent="0" marL="0">
+              <a:buNone/>
+            </a:pPr>
+            <a:r>
+              <a:rPr/>
+              <a:t>Example Mini-Dissertations</a:t>
+            </a:r>
+          </a:p>
+        </p:txBody>
+      </p:sp>
+      <p:sp>
+        <p:nvSpPr>
+          <p:cNvPr id="3" name="Content Placeholder 2">
+            <a:extLst>
+              <a:ext uri="{FF2B5EF4-FFF2-40B4-BE49-F238E27FC236}">
+                <a16:creationId xmlns:a16="http://schemas.microsoft.com/office/drawing/2014/main" id="{A4EB24F9-04F1-C843-9D71-56C5C024552B}"/>
+              </a:ext>
+            </a:extLst>
+          </p:cNvPr>
+          <p:cNvSpPr>
+            <a:spLocks noGrp="1"/>
+          </p:cNvSpPr>
+          <p:nvPr>
+            <p:ph idx="1"/>
+          </p:nvPr>
+        </p:nvSpPr>
+        <p:spPr/>
+        <p:txBody>
+          <a:bodyPr/>
+          <a:lstStyle/>
+          <a:p>
+            <a:pPr lvl="0" indent="0" marL="0">
+              <a:buNone/>
+            </a:pPr>
+            <a:r>
+              <a:rPr/>
+              <a:t>Points to attend to:</a:t>
+            </a:r>
+          </a:p>
+          <a:p>
+            <a:pPr lvl="0"/>
+            <a:r>
+              <a:rPr/>
+              <a:t>2,500 words is NOT as long as you think</a:t>
+            </a:r>
+          </a:p>
+          <a:p>
+            <a:pPr lvl="0"/>
+            <a:r>
+              <a:rPr/>
+              <a:t>5 paragraphs (key points) in Intro and Discussion</a:t>
+            </a:r>
+          </a:p>
+          <a:p>
+            <a:pPr lvl="0"/>
+            <a:r>
+              <a:rPr/>
+              <a:t>Methods section wins marks!</a:t>
+            </a:r>
+          </a:p>
+          <a:p>
+            <a:pPr lvl="0"/>
+            <a:r>
+              <a:rPr/>
+              <a:t>Both examples achieved firsts, but marks were ‘left on the table’</a:t>
+            </a:r>
+          </a:p>
+        </p:txBody>
+      </p:sp>
+    </p:spTree>
+  </p:cSld>
+  <p:timing>
+    <p:tnLst>
+      <p:par>
+        <p:cTn id="1" dur="indefinite" restart="never" nodeType="tmRoot">
+          <p:childTnLst>
+            <p:seq concurrent="1" nextAc="seek">
+              <p:cTn id="2" dur="indefinite" nodeType="mainSeq">
+                <p:childTnLst>
+                  <p:par>
+                    <p:cTn id="3" fill="hold">
+                      <p:stCondLst>
+                        <p:cond delay="indefinite"/>
+                      </p:stCondLst>
+                      <p:childTnLst>
+                        <p:par>
+                          <p:cTn id="4" fill="hold">
+                            <p:stCondLst>
+                              <p:cond delay="0"/>
+                            </p:stCondLst>
+                            <p:childTnLst>
+                              <p:par>
+                                <p:cTn id="5" presetID="1" presetClass="entr" presetSubtype="0" fill="hold" grpId="0" nodeType="clickEffect">
+                                  <p:stCondLst>
+                                    <p:cond delay="0"/>
+                                  </p:stCondLst>
+                                  <p:childTnLst>
+                                    <p:set>
+                                      <p:cBhvr>
+                                        <p:cTn id="6" dur="1" fill="hold">
+                                          <p:stCondLst>
+                                            <p:cond delay="0"/>
+                                          </p:stCondLst>
+                                        </p:cTn>
+                                        <p:tgtEl>
+                                          <p:spTgt spid="3">
+                                            <p:txEl>
+                                              <p:pRg st="1" end="1"/>
+                                            </p:txEl>
+                                          </p:spTgt>
+                                        </p:tgtEl>
+                                        <p:attrNameLst>
+                                          <p:attrName>style.visibility</p:attrName>
+                                        </p:attrNameLst>
+                                      </p:cBhvr>
+                                      <p:to>
+                                        <p:strVal val="visible"/>
+                                      </p:to>
+                                    </p:set>
+                                  </p:childTnLst>
+                                </p:cTn>
+                              </p:par>
+                            </p:childTnLst>
+                          </p:cTn>
+                        </p:par>
+                      </p:childTnLst>
+                    </p:cTn>
+                  </p:par>
+                  <p:par>
+                    <p:cTn id="7" fill="hold">
+                      <p:stCondLst>
+                        <p:cond delay="indefinite"/>
+                      </p:stCondLst>
+                      <p:childTnLst>
+                        <p:par>
+                          <p:cTn id="8" fill="hold">
+                            <p:stCondLst>
+                              <p:cond delay="0"/>
+                            </p:stCondLst>
+                            <p:childTnLst>
+                              <p:par>
+                                <p:cTn id="9" presetID="1" presetClass="entr" presetSubtype="0" fill="hold" grpId="0" nodeType="clickEffect">
+                                  <p:stCondLst>
+                                    <p:cond delay="0"/>
+                                  </p:stCondLst>
+                                  <p:childTnLst>
+                                    <p:set>
+                                      <p:cBhvr>
+                                        <p:cTn id="10" dur="1" fill="hold">
+                                          <p:stCondLst>
+                                            <p:cond delay="0"/>
+                                          </p:stCondLst>
+                                        </p:cTn>
+                                        <p:tgtEl>
+                                          <p:spTgt spid="3">
+                                            <p:txEl>
+                                              <p:pRg st="2" end="2"/>
+                                            </p:txEl>
+                                          </p:spTgt>
+                                        </p:tgtEl>
+                                        <p:attrNameLst>
+                                          <p:attrName>style.visibility</p:attrName>
+                                        </p:attrNameLst>
+                                      </p:cBhvr>
+                                      <p:to>
+                                        <p:strVal val="visible"/>
+                                      </p:to>
+                                    </p:set>
+                                  </p:childTnLst>
+                                </p:cTn>
+                              </p:par>
+                            </p:childTnLst>
+                          </p:cTn>
+                        </p:par>
+                      </p:childTnLst>
+                    </p:cTn>
+                  </p:par>
+                  <p:par>
+                    <p:cTn id="11" fill="hold">
+                      <p:stCondLst>
+                        <p:cond delay="indefinite"/>
+                      </p:stCondLst>
+                      <p:childTnLst>
+                        <p:par>
+                          <p:cTn id="12" fill="hold">
+                            <p:stCondLst>
+                              <p:cond delay="0"/>
+                            </p:stCondLst>
+                            <p:childTnLst>
+                              <p:par>
+                                <p:cTn id="13" presetID="1" presetClass="entr" presetSubtype="0" fill="hold" grpId="0" nodeType="clickEffect">
+                                  <p:stCondLst>
+                                    <p:cond delay="0"/>
+                                  </p:stCondLst>
+                                  <p:childTnLst>
+                                    <p:set>
+                                      <p:cBhvr>
+                                        <p:cTn id="14" dur="1" fill="hold">
+                                          <p:stCondLst>
+                                            <p:cond delay="0"/>
+                                          </p:stCondLst>
+                                        </p:cTn>
+                                        <p:tgtEl>
+                                          <p:spTgt spid="3">
+                                            <p:txEl>
+                                              <p:pRg st="3" end="3"/>
+                                            </p:txEl>
+                                          </p:spTgt>
+                                        </p:tgtEl>
+                                        <p:attrNameLst>
+                                          <p:attrName>style.visibility</p:attrName>
+                                        </p:attrNameLst>
+                                      </p:cBhvr>
+                                      <p:to>
+                                        <p:strVal val="visible"/>
+                                      </p:to>
+                                    </p:set>
+                                  </p:childTnLst>
+                                </p:cTn>
+                              </p:par>
+                            </p:childTnLst>
+                          </p:cTn>
+                        </p:par>
+                      </p:childTnLst>
+                    </p:cTn>
+                  </p:par>
+                  <p:par>
+                    <p:cTn id="15" fill="hold">
+                      <p:stCondLst>
+                        <p:cond delay="indefinite"/>
+                      </p:stCondLst>
+                      <p:childTnLst>
+                        <p:par>
+                          <p:cTn id="16" fill="hold">
+                            <p:stCondLst>
+                              <p:cond delay="0"/>
+                            </p:stCondLst>
+                            <p:childTnLst>
+                              <p:par>
+                                <p:cTn id="17" presetID="1" presetClass="entr" presetSubtype="0" fill="hold" grpId="0" nodeType="clickEffect">
+                                  <p:stCondLst>
+                                    <p:cond delay="0"/>
+                                  </p:stCondLst>
+                                  <p:childTnLst>
+                                    <p:set>
+                                      <p:cBhvr>
+                                        <p:cTn id="18" dur="1" fill="hold">
+                                          <p:stCondLst>
+                                            <p:cond delay="0"/>
+                                          </p:stCondLst>
+                                        </p:cTn>
+                                        <p:tgtEl>
+                                          <p:spTgt spid="3">
+                                            <p:txEl>
+                                              <p:pRg st="4" end="4"/>
+                                            </p:txEl>
+                                          </p:spTgt>
+                                        </p:tgtEl>
+                                        <p:attrNameLst>
+                                          <p:attrName>style.visibility</p:attrName>
+                                        </p:attrNameLst>
+                                      </p:cBhvr>
+                                      <p:to>
+                                        <p:strVal val="visible"/>
+                                      </p:to>
+                                    </p:set>
+                                  </p:childTnLst>
+                                </p:cTn>
+                              </p:par>
+                            </p:childTnLst>
+                          </p:cTn>
+                        </p:par>
+                      </p:childTnLst>
+                    </p:cTn>
+                  </p:par>
+                </p:childTnLst>
+              </p:cTn>
+              <p:prevCondLst>
+                <p:cond evt="onPrev" delay="0">
+                  <p:tgtEl>
+                    <p:sldTgt/>
+                  </p:tgtEl>
+                </p:cond>
+              </p:prevCondLst>
+              <p:nextCondLst>
+                <p:cond evt="onNext" delay="0">
+                  <p:tgtEl>
+                    <p:sldTgt/>
+                  </p:tgtEl>
+                </p:cond>
+              </p:nextCondLst>
+            </p:seq>
+          </p:childTnLst>
+        </p:cTn>
+      </p:par>
+    </p:tnLst>
+    <p:bldLst>
+      <p:bldP spid="3" grpId="0" uiExpand="1" build="p"/>
+    </p:bldLst>
+  </p:timing>
+</p:sld>
+</file>
+
+<file path=ppt/slides/slide16.xml><?xml version="1.0" encoding="utf-8"?>
+<p:sld xmlns:a="http://schemas.openxmlformats.org/drawingml/2006/main" xmlns:r="http://schemas.openxmlformats.org/officeDocument/2006/relationships" xmlns:p="http://schemas.openxmlformats.org/presentationml/2006/main">
+  <p:cSld>
+    <p:spTree>
+      <p:nvGrpSpPr>
+        <p:cNvPr id="1" name=""/>
+        <p:cNvGrpSpPr/>
+        <p:nvPr/>
+      </p:nvGrpSpPr>
+      <p:grpSpPr>
+        <a:xfrm>
+          <a:off x="0" y="0"/>
+          <a:ext cx="0" cy="0"/>
+          <a:chOff x="0" y="0"/>
+          <a:chExt cx="0" cy="0"/>
+        </a:xfrm>
+      </p:grpSpPr>
+      <p:sp>
+        <p:nvSpPr>
+          <p:cNvPr id="2" name="Title 1">
+            <a:extLst>
+              <a:ext uri="{FF2B5EF4-FFF2-40B4-BE49-F238E27FC236}">
+                <a16:creationId xmlns:a16="http://schemas.microsoft.com/office/drawing/2014/main" id="{DD9B8E45-0772-954C-8D4B-6E6808DFEDED}"/>
+              </a:ext>
+            </a:extLst>
+          </p:cNvPr>
+          <p:cNvSpPr>
+            <a:spLocks noGrp="1"/>
+          </p:cNvSpPr>
+          <p:nvPr>
+            <p:ph type="title"/>
+          </p:nvPr>
+        </p:nvSpPr>
+        <p:spPr>
+          <a:xfrm>
+            <a:off x="838200" y="365129"/>
+            <a:ext cx="10002520" cy="1325563"/>
+          </a:xfrm>
+          <a:prstGeom prst="rect">
+            <a:avLst/>
+          </a:prstGeom>
+        </p:spPr>
+        <p:txBody>
+          <a:bodyPr/>
+          <a:lstStyle/>
+          <a:p>
+            <a:pPr lvl="0" indent="0" marL="0">
+              <a:buNone/>
+            </a:pPr>
+            <a:r>
+              <a:rPr/>
+              <a:t>Closing points on the Mini-Dissertation</a:t>
+            </a:r>
+          </a:p>
+        </p:txBody>
+      </p:sp>
+      <p:sp>
+        <p:nvSpPr>
+          <p:cNvPr id="3" name="Content Placeholder 2">
+            <a:extLst>
+              <a:ext uri="{FF2B5EF4-FFF2-40B4-BE49-F238E27FC236}">
+                <a16:creationId xmlns:a16="http://schemas.microsoft.com/office/drawing/2014/main" id="{A4EB24F9-04F1-C843-9D71-56C5C024552B}"/>
+              </a:ext>
+            </a:extLst>
+          </p:cNvPr>
+          <p:cNvSpPr>
+            <a:spLocks noGrp="1"/>
+          </p:cNvSpPr>
+          <p:nvPr>
+            <p:ph idx="1"/>
+          </p:nvPr>
+        </p:nvSpPr>
+        <p:spPr/>
+        <p:txBody>
+          <a:bodyPr/>
+          <a:lstStyle/>
+          <a:p>
+            <a:pPr lvl="0"/>
+            <a:r>
+              <a:rPr/>
+              <a:t>The reflective account is a required part of the Mini-Dissertation</a:t>
+            </a:r>
+          </a:p>
+          <a:p>
+            <a:pPr lvl="0"/>
+            <a:r>
+              <a:rPr/>
+              <a:t>We may be asking for a ‘contribution statement’</a:t>
+            </a:r>
+          </a:p>
+          <a:p>
+            <a:pPr lvl="0"/>
+            <a:r>
+              <a:rPr/>
+              <a:t>Your involvement in data collection AND participation is monitored next term</a:t>
+            </a:r>
+          </a:p>
+          <a:p>
+            <a:pPr lvl="0"/>
+            <a:r>
+              <a:rPr/>
+              <a:t>Open Materials and Open Data are key parts of the submission and are featured in the marking</a:t>
+            </a:r>
+          </a:p>
+          <a:p>
+            <a:pPr lvl="0"/>
+            <a:r>
+              <a:rPr/>
+              <a:t>But it’s just a lab report. You’ve done 3 of those already.</a:t>
+            </a:r>
+          </a:p>
+        </p:txBody>
+      </p:sp>
+    </p:spTree>
+  </p:cSld>
+  <p:timing>
+    <p:tnLst>
+      <p:par>
+        <p:cTn id="1" dur="indefinite" restart="never" nodeType="tmRoot">
+          <p:childTnLst>
+            <p:seq concurrent="1" nextAc="seek">
+              <p:cTn id="2" dur="indefinite" nodeType="mainSeq">
+                <p:childTnLst>
+                  <p:par>
+                    <p:cTn id="3" fill="hold">
+                      <p:stCondLst>
+                        <p:cond delay="indefinite"/>
+                      </p:stCondLst>
+                      <p:childTnLst>
+                        <p:par>
+                          <p:cTn id="4" fill="hold">
+                            <p:stCondLst>
+                              <p:cond delay="0"/>
+                            </p:stCondLst>
+                            <p:childTnLst>
+                              <p:par>
+                                <p:cTn id="5" presetID="1" presetClass="entr" presetSubtype="0" fill="hold" grpId="0" nodeType="clickEffect">
+                                  <p:stCondLst>
+                                    <p:cond delay="0"/>
+                                  </p:stCondLst>
+                                  <p:childTnLst>
+                                    <p:set>
+                                      <p:cBhvr>
+                                        <p:cTn id="6" dur="1" fill="hold">
+                                          <p:stCondLst>
+                                            <p:cond delay="0"/>
+                                          </p:stCondLst>
+                                        </p:cTn>
+                                        <p:tgtEl>
+                                          <p:spTgt spid="3">
+                                            <p:txEl>
+                                              <p:pRg st="0" end="0"/>
+                                            </p:txEl>
+                                          </p:spTgt>
+                                        </p:tgtEl>
+                                        <p:attrNameLst>
+                                          <p:attrName>style.visibility</p:attrName>
+                                        </p:attrNameLst>
+                                      </p:cBhvr>
+                                      <p:to>
+                                        <p:strVal val="visible"/>
+                                      </p:to>
+                                    </p:set>
+                                  </p:childTnLst>
+                                </p:cTn>
+                              </p:par>
+                            </p:childTnLst>
+                          </p:cTn>
+                        </p:par>
+                      </p:childTnLst>
+                    </p:cTn>
+                  </p:par>
+                  <p:par>
+                    <p:cTn id="7" fill="hold">
+                      <p:stCondLst>
+                        <p:cond delay="indefinite"/>
+                      </p:stCondLst>
+                      <p:childTnLst>
+                        <p:par>
+                          <p:cTn id="8" fill="hold">
+                            <p:stCondLst>
+                              <p:cond delay="0"/>
+                            </p:stCondLst>
+                            <p:childTnLst>
+                              <p:par>
+                                <p:cTn id="9" presetID="1" presetClass="entr" presetSubtype="0" fill="hold" grpId="0" nodeType="clickEffect">
+                                  <p:stCondLst>
+                                    <p:cond delay="0"/>
+                                  </p:stCondLst>
+                                  <p:childTnLst>
+                                    <p:set>
+                                      <p:cBhvr>
+                                        <p:cTn id="10" dur="1" fill="hold">
+                                          <p:stCondLst>
+                                            <p:cond delay="0"/>
+                                          </p:stCondLst>
+                                        </p:cTn>
+                                        <p:tgtEl>
+                                          <p:spTgt spid="3">
+                                            <p:txEl>
+                                              <p:pRg st="1" end="1"/>
+                                            </p:txEl>
+                                          </p:spTgt>
+                                        </p:tgtEl>
+                                        <p:attrNameLst>
+                                          <p:attrName>style.visibility</p:attrName>
+                                        </p:attrNameLst>
+                                      </p:cBhvr>
+                                      <p:to>
+                                        <p:strVal val="visible"/>
+                                      </p:to>
+                                    </p:set>
+                                  </p:childTnLst>
+                                </p:cTn>
+                              </p:par>
+                            </p:childTnLst>
+                          </p:cTn>
+                        </p:par>
+                      </p:childTnLst>
+                    </p:cTn>
+                  </p:par>
+                  <p:par>
+                    <p:cTn id="11" fill="hold">
+                      <p:stCondLst>
+                        <p:cond delay="indefinite"/>
+                      </p:stCondLst>
+                      <p:childTnLst>
+                        <p:par>
+                          <p:cTn id="12" fill="hold">
+                            <p:stCondLst>
+                              <p:cond delay="0"/>
+                            </p:stCondLst>
+                            <p:childTnLst>
+                              <p:par>
+                                <p:cTn id="13" presetID="1" presetClass="entr" presetSubtype="0" fill="hold" grpId="0" nodeType="clickEffect">
+                                  <p:stCondLst>
+                                    <p:cond delay="0"/>
+                                  </p:stCondLst>
+                                  <p:childTnLst>
+                                    <p:set>
+                                      <p:cBhvr>
+                                        <p:cTn id="14" dur="1" fill="hold">
+                                          <p:stCondLst>
+                                            <p:cond delay="0"/>
+                                          </p:stCondLst>
+                                        </p:cTn>
+                                        <p:tgtEl>
+                                          <p:spTgt spid="3">
+                                            <p:txEl>
+                                              <p:pRg st="2" end="2"/>
+                                            </p:txEl>
+                                          </p:spTgt>
+                                        </p:tgtEl>
+                                        <p:attrNameLst>
+                                          <p:attrName>style.visibility</p:attrName>
+                                        </p:attrNameLst>
+                                      </p:cBhvr>
+                                      <p:to>
+                                        <p:strVal val="visible"/>
+                                      </p:to>
+                                    </p:set>
+                                  </p:childTnLst>
+                                </p:cTn>
+                              </p:par>
+                            </p:childTnLst>
+                          </p:cTn>
+                        </p:par>
+                      </p:childTnLst>
+                    </p:cTn>
+                  </p:par>
+                  <p:par>
+                    <p:cTn id="15" fill="hold">
+                      <p:stCondLst>
+                        <p:cond delay="indefinite"/>
+                      </p:stCondLst>
+                      <p:childTnLst>
+                        <p:par>
+                          <p:cTn id="16" fill="hold">
+                            <p:stCondLst>
+                              <p:cond delay="0"/>
+                            </p:stCondLst>
+                            <p:childTnLst>
+                              <p:par>
+                                <p:cTn id="17" presetID="1" presetClass="entr" presetSubtype="0" fill="hold" grpId="0" nodeType="clickEffect">
+                                  <p:stCondLst>
+                                    <p:cond delay="0"/>
+                                  </p:stCondLst>
+                                  <p:childTnLst>
+                                    <p:set>
+                                      <p:cBhvr>
+                                        <p:cTn id="18" dur="1" fill="hold">
+                                          <p:stCondLst>
+                                            <p:cond delay="0"/>
+                                          </p:stCondLst>
+                                        </p:cTn>
+                                        <p:tgtEl>
+                                          <p:spTgt spid="3">
+                                            <p:txEl>
+                                              <p:pRg st="3" end="3"/>
+                                            </p:txEl>
+                                          </p:spTgt>
+                                        </p:tgtEl>
+                                        <p:attrNameLst>
+                                          <p:attrName>style.visibility</p:attrName>
+                                        </p:attrNameLst>
+                                      </p:cBhvr>
+                                      <p:to>
+                                        <p:strVal val="visible"/>
+                                      </p:to>
+                                    </p:set>
+                                  </p:childTnLst>
+                                </p:cTn>
+                              </p:par>
+                            </p:childTnLst>
+                          </p:cTn>
+                        </p:par>
+                      </p:childTnLst>
+                    </p:cTn>
+                  </p:par>
+                  <p:par>
+                    <p:cTn id="19" fill="hold">
+                      <p:stCondLst>
+                        <p:cond delay="indefinite"/>
+                      </p:stCondLst>
+                      <p:childTnLst>
+                        <p:par>
+                          <p:cTn id="20" fill="hold">
+                            <p:stCondLst>
+                              <p:cond delay="0"/>
+                            </p:stCondLst>
+                            <p:childTnLst>
+                              <p:par>
+                                <p:cTn id="21" presetID="1" presetClass="entr" presetSubtype="0" fill="hold" grpId="0" nodeType="clickEffect">
+                                  <p:stCondLst>
+                                    <p:cond delay="0"/>
+                                  </p:stCondLst>
+                                  <p:childTnLst>
+                                    <p:set>
+                                      <p:cBhvr>
+                                        <p:cTn id="22" dur="1" fill="hold">
+                                          <p:stCondLst>
+                                            <p:cond delay="0"/>
+                                          </p:stCondLst>
+                                        </p:cTn>
+                                        <p:tgtEl>
+                                          <p:spTgt spid="3">
+                                            <p:txEl>
+                                              <p:pRg st="4" end="4"/>
+                                            </p:txEl>
+                                          </p:spTgt>
+                                        </p:tgtEl>
+                                        <p:attrNameLst>
+                                          <p:attrName>style.visibility</p:attrName>
+                                        </p:attrNameLst>
+                                      </p:cBhvr>
+                                      <p:to>
+                                        <p:strVal val="visible"/>
+                                      </p:to>
+                                    </p:set>
+                                  </p:childTnLst>
+                                </p:cTn>
+                              </p:par>
+                            </p:childTnLst>
+                          </p:cTn>
+                        </p:par>
+                      </p:childTnLst>
+                    </p:cTn>
+                  </p:par>
+                </p:childTnLst>
+              </p:cTn>
+              <p:prevCondLst>
+                <p:cond evt="onPrev" delay="0">
+                  <p:tgtEl>
+                    <p:sldTgt/>
+                  </p:tgtEl>
+                </p:cond>
+              </p:prevCondLst>
+              <p:nextCondLst>
+                <p:cond evt="onNext" delay="0">
+                  <p:tgtEl>
+                    <p:sldTgt/>
+                  </p:tgtEl>
+                </p:cond>
+              </p:nextCondLst>
+            </p:seq>
+          </p:childTnLst>
+        </p:cTn>
+      </p:par>
+    </p:tnLst>
+    <p:bldLst>
+      <p:bldP spid="3" grpId="0" uiExpand="1" build="p"/>
+    </p:bldLst>
+  </p:timing>
+</p:sld>
+</file>
+
+<file path=ppt/slides/slide17.xml><?xml version="1.0" encoding="utf-8"?>
+<p:sld xmlns:a="http://schemas.openxmlformats.org/drawingml/2006/main" xmlns:r="http://schemas.openxmlformats.org/officeDocument/2006/relationships" xmlns:p="http://schemas.openxmlformats.org/presentationml/2006/main">
+  <p:cSld>
+    <p:spTree>
+      <p:nvGrpSpPr>
+        <p:cNvPr id="1" name=""/>
+        <p:cNvGrpSpPr/>
+        <p:nvPr/>
+      </p:nvGrpSpPr>
+      <p:grpSpPr>
+        <a:xfrm>
+          <a:off x="0" y="0"/>
+          <a:ext cx="0" cy="0"/>
+          <a:chOff x="0" y="0"/>
+          <a:chExt cx="0" cy="0"/>
+        </a:xfrm>
+      </p:grpSpPr>
+      <p:sp>
+        <p:nvSpPr>
+          <p:cNvPr id="2" name="Title 1">
+            <a:extLst>
+              <a:ext uri="{FF2B5EF4-FFF2-40B4-BE49-F238E27FC236}">
+                <a16:creationId xmlns:a16="http://schemas.microsoft.com/office/drawing/2014/main" id="{FF6A6CB2-D1B6-B94A-84C1-83C65423C650}"/>
+              </a:ext>
+            </a:extLst>
+          </p:cNvPr>
+          <p:cNvSpPr>
+            <a:spLocks noGrp="1"/>
+          </p:cNvSpPr>
+          <p:nvPr>
+            <p:ph type="title"/>
+          </p:nvPr>
+        </p:nvSpPr>
+        <p:spPr>
+          <a:xfrm>
+            <a:off x="831851" y="1709742"/>
+            <a:ext cx="10515600" cy="2852737"/>
+          </a:xfrm>
+          <a:prstGeom prst="rect">
+            <a:avLst/>
+          </a:prstGeom>
+        </p:spPr>
+        <p:txBody>
+          <a:bodyPr/>
+          <a:lstStyle/>
+          <a:p>
+            <a:pPr lvl="0" indent="0" marL="0">
+              <a:buNone/>
+            </a:pPr>
+            <a:r>
+              <a:rPr/>
+              <a:t>Have a great last week of term!</a:t>
+            </a:r>
+          </a:p>
+        </p:txBody>
+      </p:sp>
+    </p:spTree>
+  </p:cSld>
+</p:sld>
+</file>
+
+<file path=ppt/slides/slide2.xml><?xml version="1.0" encoding="utf-8"?>
+<p:sld xmlns:a="http://schemas.openxmlformats.org/drawingml/2006/main" xmlns:r="http://schemas.openxmlformats.org/officeDocument/2006/relationships" xmlns:p="http://schemas.openxmlformats.org/presentationml/2006/main">
+  <p:cSld>
+    <p:spTree>
+      <p:nvGrpSpPr>
+        <p:cNvPr id="1" name=""/>
+        <p:cNvGrpSpPr/>
+        <p:nvPr/>
+      </p:nvGrpSpPr>
+      <p:grpSpPr>
+        <a:xfrm>
+          <a:off x="0" y="0"/>
+          <a:ext cx="0" cy="0"/>
+          <a:chOff x="0" y="0"/>
+          <a:chExt cx="0" cy="0"/>
+        </a:xfrm>
+      </p:grpSpPr>
+      <p:sp>
+        <p:nvSpPr>
+          <p:cNvPr id="2" name="Title 1">
+            <a:extLst>
+              <a:ext uri="{FF2B5EF4-FFF2-40B4-BE49-F238E27FC236}">
+                <a16:creationId xmlns:a16="http://schemas.microsoft.com/office/drawing/2014/main" id="{FF6A6CB2-D1B6-B94A-84C1-83C65423C650}"/>
+              </a:ext>
+            </a:extLst>
+          </p:cNvPr>
+          <p:cNvSpPr>
+            <a:spLocks noGrp="1"/>
+          </p:cNvSpPr>
+          <p:nvPr>
+            <p:ph type="title"/>
+          </p:nvPr>
+        </p:nvSpPr>
+        <p:spPr>
+          <a:xfrm>
+            <a:off x="831851" y="1709742"/>
+            <a:ext cx="10515600" cy="2852737"/>
+          </a:xfrm>
+          <a:prstGeom prst="rect">
+            <a:avLst/>
+          </a:prstGeom>
+        </p:spPr>
+        <p:txBody>
+          <a:bodyPr/>
+          <a:lstStyle/>
+          <a:p>
+            <a:pPr lvl="0" indent="0" marL="0">
+              <a:buNone/>
+            </a:pPr>
+            <a:r>
+              <a:rPr/>
+              <a:t>Phase 2 Overview</a:t>
+            </a:r>
+          </a:p>
+        </p:txBody>
+      </p:sp>
+    </p:spTree>
+  </p:cSld>
+</p:sld>
+</file>
+
+<file path=ppt/slides/slide3.xml><?xml version="1.0" encoding="utf-8"?>
+<p:sld xmlns:a="http://schemas.openxmlformats.org/drawingml/2006/main" xmlns:r="http://schemas.openxmlformats.org/officeDocument/2006/relationships" xmlns:p="http://schemas.openxmlformats.org/presentationml/2006/main">
+  <p:cSld>
+    <p:spTree>
+      <p:nvGrpSpPr>
+        <p:cNvPr id="1" name=""/>
+        <p:cNvGrpSpPr/>
+        <p:nvPr/>
+      </p:nvGrpSpPr>
+      <p:grpSpPr>
+        <a:xfrm>
+          <a:off x="0" y="0"/>
+          <a:ext cx="0" cy="0"/>
+          <a:chOff x="0" y="0"/>
+          <a:chExt cx="0" cy="0"/>
+        </a:xfrm>
+      </p:grpSpPr>
+      <p:sp>
+        <p:nvSpPr>
+          <p:cNvPr id="2" name="Title 1">
+            <a:extLst>
+              <a:ext uri="{FF2B5EF4-FFF2-40B4-BE49-F238E27FC236}">
+                <a16:creationId xmlns:a16="http://schemas.microsoft.com/office/drawing/2014/main" id="{DD9B8E45-0772-954C-8D4B-6E6808DFEDED}"/>
+              </a:ext>
+            </a:extLst>
+          </p:cNvPr>
+          <p:cNvSpPr>
+            <a:spLocks noGrp="1"/>
+          </p:cNvSpPr>
+          <p:nvPr>
+            <p:ph type="title"/>
+          </p:nvPr>
+        </p:nvSpPr>
+        <p:spPr>
+          <a:xfrm>
+            <a:off x="838200" y="365129"/>
+            <a:ext cx="10002520" cy="1325563"/>
+          </a:xfrm>
+          <a:prstGeom prst="rect">
+            <a:avLst/>
+          </a:prstGeom>
+        </p:spPr>
+        <p:txBody>
+          <a:bodyPr/>
+          <a:lstStyle/>
+          <a:p>
+            <a:pPr lvl="0" indent="0" marL="0">
+              <a:buNone/>
+            </a:pPr>
+            <a:r>
+              <a:rPr/>
+              <a:t>The week ahead</a:t>
+            </a:r>
+          </a:p>
+        </p:txBody>
+      </p:sp>
+      <p:sp>
+        <p:nvSpPr>
+          <p:cNvPr id="3" name="Content Placeholder 2">
+            <a:extLst>
+              <a:ext uri="{FF2B5EF4-FFF2-40B4-BE49-F238E27FC236}">
+                <a16:creationId xmlns:a16="http://schemas.microsoft.com/office/drawing/2014/main" id="{A4EB24F9-04F1-C843-9D71-56C5C024552B}"/>
+              </a:ext>
+            </a:extLst>
+          </p:cNvPr>
+          <p:cNvSpPr>
+            <a:spLocks noGrp="1"/>
+          </p:cNvSpPr>
+          <p:nvPr>
+            <p:ph idx="1"/>
+          </p:nvPr>
+        </p:nvSpPr>
+        <p:spPr/>
+        <p:txBody>
+          <a:bodyPr/>
+          <a:lstStyle/>
+          <a:p>
+            <a:pPr lvl="0" indent="0" marL="0">
+              <a:buNone/>
+            </a:pPr>
+            <a:r>
+              <a:rPr/>
+              <a:t>The week ahead (week 10)</a:t>
+            </a:r>
+          </a:p>
+          <a:p>
+            <a:pPr lvl="0"/>
+            <a:r>
+              <a:rPr/>
+              <a:t>Lab Priority</a:t>
+            </a:r>
+          </a:p>
+          <a:p>
+            <a:pPr lvl="1"/>
+            <a:r>
+              <a:rPr/>
+              <a:t>Mini-Dissertation Ethics &amp; Status updates</a:t>
+            </a:r>
+          </a:p>
+          <a:p>
+            <a:pPr lvl="0"/>
+            <a:r>
+              <a:rPr/>
+              <a:t>W10 Cognitive Essay Tutorial</a:t>
+            </a:r>
+          </a:p>
+          <a:p>
+            <a:pPr lvl="0"/>
+            <a:r>
+              <a:rPr/>
+              <a:t>Quiz 2 for Design &amp; Analysis</a:t>
+            </a:r>
+          </a:p>
+          <a:p>
+            <a:pPr lvl="1"/>
+            <a:r>
+              <a:rPr/>
+              <a:t>No Wednesday drop-in</a:t>
+            </a:r>
+          </a:p>
+          <a:p>
+            <a:pPr lvl="0"/>
+            <a:r>
+              <a:rPr/>
+              <a:t>Tuesday Film Club “Ex Machina”</a:t>
+            </a:r>
+          </a:p>
+          <a:p>
+            <a:pPr lvl="0"/>
+            <a:r>
+              <a:rPr/>
+              <a:t>Tuesday ‘Skeptics in the Pub’: Professor Chris French - Putting Paranormal Claims to the Test. 7:30pm Davy’s Wine Vaults, Greenwich</a:t>
+            </a:r>
+          </a:p>
+        </p:txBody>
+      </p:sp>
+    </p:spTree>
+  </p:cSld>
+  <p:timing>
+    <p:tnLst>
+      <p:par>
+        <p:cTn id="1" dur="indefinite" restart="never" nodeType="tmRoot">
+          <p:childTnLst>
+            <p:seq concurrent="1" nextAc="seek">
+              <p:cTn id="2" dur="indefinite" nodeType="mainSeq">
+                <p:childTnLst>
+                  <p:par>
+                    <p:cTn id="3" fill="hold">
+                      <p:stCondLst>
+                        <p:cond delay="indefinite"/>
+                      </p:stCondLst>
+                      <p:childTnLst>
+                        <p:par>
+                          <p:cTn id="4" fill="hold">
+                            <p:stCondLst>
+                              <p:cond delay="0"/>
+                            </p:stCondLst>
+                            <p:childTnLst>
+                              <p:par>
+                                <p:cTn id="5" presetID="1" presetClass="entr" presetSubtype="0" fill="hold" grpId="0" nodeType="clickEffect">
+                                  <p:stCondLst>
+                                    <p:cond delay="0"/>
+                                  </p:stCondLst>
+                                  <p:childTnLst>
+                                    <p:set>
+                                      <p:cBhvr>
+                                        <p:cTn id="6" dur="1" fill="hold">
+                                          <p:stCondLst>
+                                            <p:cond delay="0"/>
+                                          </p:stCondLst>
+                                        </p:cTn>
+                                        <p:tgtEl>
+                                          <p:spTgt spid="3">
+                                            <p:txEl>
+                                              <p:pRg st="1" end="1"/>
+                                            </p:txEl>
+                                          </p:spTgt>
+                                        </p:tgtEl>
+                                        <p:attrNameLst>
+                                          <p:attrName>style.visibility</p:attrName>
+                                        </p:attrNameLst>
+                                      </p:cBhvr>
+                                      <p:to>
+                                        <p:strVal val="visible"/>
+                                      </p:to>
+                                    </p:set>
+                                  </p:childTnLst>
+                                </p:cTn>
+                              </p:par>
+                            </p:childTnLst>
+                          </p:cTn>
+                        </p:par>
+                      </p:childTnLst>
+                    </p:cTn>
+                  </p:par>
+                  <p:par>
+                    <p:cTn id="7" fill="hold">
+                      <p:stCondLst>
+                        <p:cond delay="indefinite"/>
+                      </p:stCondLst>
+                      <p:childTnLst>
+                        <p:par>
+                          <p:cTn id="8" fill="hold">
+                            <p:stCondLst>
+                              <p:cond delay="0"/>
+                            </p:stCondLst>
+                            <p:childTnLst>
+                              <p:par>
+                                <p:cTn id="9" presetID="1" presetClass="entr" presetSubtype="0" fill="hold" grpId="0" nodeType="clickEffect">
+                                  <p:stCondLst>
+                                    <p:cond delay="0"/>
+                                  </p:stCondLst>
+                                  <p:childTnLst>
+                                    <p:set>
+                                      <p:cBhvr>
+                                        <p:cTn id="10" dur="1" fill="hold">
+                                          <p:stCondLst>
+                                            <p:cond delay="0"/>
+                                          </p:stCondLst>
+                                        </p:cTn>
+                                        <p:tgtEl>
+                                          <p:spTgt spid="3">
+                                            <p:txEl>
+                                              <p:pRg st="2" end="2"/>
+                                            </p:txEl>
+                                          </p:spTgt>
+                                        </p:tgtEl>
+                                        <p:attrNameLst>
+                                          <p:attrName>style.visibility</p:attrName>
+                                        </p:attrNameLst>
+                                      </p:cBhvr>
+                                      <p:to>
+                                        <p:strVal val="visible"/>
+                                      </p:to>
+                                    </p:set>
+                                  </p:childTnLst>
+                                </p:cTn>
+                              </p:par>
+                            </p:childTnLst>
+                          </p:cTn>
+                        </p:par>
+                      </p:childTnLst>
+                    </p:cTn>
+                  </p:par>
+                  <p:par>
+                    <p:cTn id="11" fill="hold">
+                      <p:stCondLst>
+                        <p:cond delay="indefinite"/>
+                      </p:stCondLst>
+                      <p:childTnLst>
+                        <p:par>
+                          <p:cTn id="12" fill="hold">
+                            <p:stCondLst>
+                              <p:cond delay="0"/>
+                            </p:stCondLst>
+                            <p:childTnLst>
+                              <p:par>
+                                <p:cTn id="13" presetID="1" presetClass="entr" presetSubtype="0" fill="hold" grpId="0" nodeType="clickEffect">
+                                  <p:stCondLst>
+                                    <p:cond delay="0"/>
+                                  </p:stCondLst>
+                                  <p:childTnLst>
+                                    <p:set>
+                                      <p:cBhvr>
+                                        <p:cTn id="14" dur="1" fill="hold">
+                                          <p:stCondLst>
+                                            <p:cond delay="0"/>
+                                          </p:stCondLst>
+                                        </p:cTn>
+                                        <p:tgtEl>
+                                          <p:spTgt spid="3">
+                                            <p:txEl>
+                                              <p:pRg st="3" end="3"/>
+                                            </p:txEl>
+                                          </p:spTgt>
+                                        </p:tgtEl>
+                                        <p:attrNameLst>
+                                          <p:attrName>style.visibility</p:attrName>
+                                        </p:attrNameLst>
+                                      </p:cBhvr>
+                                      <p:to>
+                                        <p:strVal val="visible"/>
+                                      </p:to>
+                                    </p:set>
+                                  </p:childTnLst>
+                                </p:cTn>
+                              </p:par>
+                            </p:childTnLst>
+                          </p:cTn>
+                        </p:par>
+                      </p:childTnLst>
+                    </p:cTn>
+                  </p:par>
+                  <p:par>
+                    <p:cTn id="15" fill="hold">
+                      <p:stCondLst>
+                        <p:cond delay="indefinite"/>
+                      </p:stCondLst>
+                      <p:childTnLst>
+                        <p:par>
+                          <p:cTn id="16" fill="hold">
+                            <p:stCondLst>
+                              <p:cond delay="0"/>
+                            </p:stCondLst>
+                            <p:childTnLst>
+                              <p:par>
+                                <p:cTn id="17" presetID="1" presetClass="entr" presetSubtype="0" fill="hold" grpId="0" nodeType="clickEffect">
+                                  <p:stCondLst>
+                                    <p:cond delay="0"/>
+                                  </p:stCondLst>
+                                  <p:childTnLst>
+                                    <p:set>
+                                      <p:cBhvr>
+                                        <p:cTn id="18" dur="1" fill="hold">
+                                          <p:stCondLst>
+                                            <p:cond delay="0"/>
+                                          </p:stCondLst>
+                                        </p:cTn>
+                                        <p:tgtEl>
+                                          <p:spTgt spid="3">
+                                            <p:txEl>
+                                              <p:pRg st="4" end="4"/>
+                                            </p:txEl>
+                                          </p:spTgt>
+                                        </p:tgtEl>
+                                        <p:attrNameLst>
+                                          <p:attrName>style.visibility</p:attrName>
+                                        </p:attrNameLst>
+                                      </p:cBhvr>
+                                      <p:to>
+                                        <p:strVal val="visible"/>
+                                      </p:to>
+                                    </p:set>
+                                  </p:childTnLst>
+                                </p:cTn>
+                              </p:par>
+                            </p:childTnLst>
+                          </p:cTn>
+                        </p:par>
+                      </p:childTnLst>
+                    </p:cTn>
+                  </p:par>
+                  <p:par>
+                    <p:cTn id="19" fill="hold">
+                      <p:stCondLst>
+                        <p:cond delay="indefinite"/>
+                      </p:stCondLst>
+                      <p:childTnLst>
+                        <p:par>
+                          <p:cTn id="20" fill="hold">
+                            <p:stCondLst>
+                              <p:cond delay="0"/>
+                            </p:stCondLst>
+                            <p:childTnLst>
+                              <p:par>
+                                <p:cTn id="21" presetID="1" presetClass="entr" presetSubtype="0" fill="hold" grpId="0" nodeType="clickEffect">
+                                  <p:stCondLst>
+                                    <p:cond delay="0"/>
+                                  </p:stCondLst>
+                                  <p:childTnLst>
+                                    <p:set>
+                                      <p:cBhvr>
+                                        <p:cTn id="22" dur="1" fill="hold">
+                                          <p:stCondLst>
+                                            <p:cond delay="0"/>
+                                          </p:stCondLst>
+                                        </p:cTn>
+                                        <p:tgtEl>
+                                          <p:spTgt spid="3">
+                                            <p:txEl>
+                                              <p:pRg st="5" end="5"/>
+                                            </p:txEl>
+                                          </p:spTgt>
+                                        </p:tgtEl>
+                                        <p:attrNameLst>
+                                          <p:attrName>style.visibility</p:attrName>
+                                        </p:attrNameLst>
+                                      </p:cBhvr>
+                                      <p:to>
+                                        <p:strVal val="visible"/>
+                                      </p:to>
+                                    </p:set>
+                                  </p:childTnLst>
+                                </p:cTn>
+                              </p:par>
+                            </p:childTnLst>
+                          </p:cTn>
+                        </p:par>
+                      </p:childTnLst>
+                    </p:cTn>
+                  </p:par>
+                  <p:par>
+                    <p:cTn id="23" fill="hold">
+                      <p:stCondLst>
+                        <p:cond delay="indefinite"/>
+                      </p:stCondLst>
+                      <p:childTnLst>
+                        <p:par>
+                          <p:cTn id="24" fill="hold">
+                            <p:stCondLst>
+                              <p:cond delay="0"/>
+                            </p:stCondLst>
+                            <p:childTnLst>
+                              <p:par>
+                                <p:cTn id="25" presetID="1" presetClass="entr" presetSubtype="0" fill="hold" grpId="0" nodeType="clickEffect">
+                                  <p:stCondLst>
+                                    <p:cond delay="0"/>
+                                  </p:stCondLst>
+                                  <p:childTnLst>
+                                    <p:set>
+                                      <p:cBhvr>
+                                        <p:cTn id="26" dur="1" fill="hold">
+                                          <p:stCondLst>
+                                            <p:cond delay="0"/>
+                                          </p:stCondLst>
+                                        </p:cTn>
+                                        <p:tgtEl>
+                                          <p:spTgt spid="3">
+                                            <p:txEl>
+                                              <p:pRg st="6" end="6"/>
+                                            </p:txEl>
+                                          </p:spTgt>
+                                        </p:tgtEl>
+                                        <p:attrNameLst>
+                                          <p:attrName>style.visibility</p:attrName>
+                                        </p:attrNameLst>
+                                      </p:cBhvr>
+                                      <p:to>
+                                        <p:strVal val="visible"/>
+                                      </p:to>
+                                    </p:set>
+                                  </p:childTnLst>
+                                </p:cTn>
+                              </p:par>
+                            </p:childTnLst>
+                          </p:cTn>
+                        </p:par>
+                      </p:childTnLst>
+                    </p:cTn>
+                  </p:par>
+                  <p:par>
+                    <p:cTn id="27" fill="hold">
+                      <p:stCondLst>
+                        <p:cond delay="indefinite"/>
+                      </p:stCondLst>
+                      <p:childTnLst>
+                        <p:par>
+                          <p:cTn id="28" fill="hold">
+                            <p:stCondLst>
+                              <p:cond delay="0"/>
+                            </p:stCondLst>
+                            <p:childTnLst>
+                              <p:par>
+                                <p:cTn id="29" presetID="1" presetClass="entr" presetSubtype="0" fill="hold" grpId="0" nodeType="clickEffect">
+                                  <p:stCondLst>
+                                    <p:cond delay="0"/>
+                                  </p:stCondLst>
+                                  <p:childTnLst>
+                                    <p:set>
+                                      <p:cBhvr>
+                                        <p:cTn id="30" dur="1" fill="hold">
+                                          <p:stCondLst>
+                                            <p:cond delay="0"/>
+                                          </p:stCondLst>
+                                        </p:cTn>
+                                        <p:tgtEl>
+                                          <p:spTgt spid="3">
+                                            <p:txEl>
+                                              <p:pRg st="7" end="7"/>
+                                            </p:txEl>
+                                          </p:spTgt>
+                                        </p:tgtEl>
+                                        <p:attrNameLst>
+                                          <p:attrName>style.visibility</p:attrName>
+                                        </p:attrNameLst>
+                                      </p:cBhvr>
+                                      <p:to>
+                                        <p:strVal val="visible"/>
+                                      </p:to>
+                                    </p:set>
+                                  </p:childTnLst>
+                                </p:cTn>
+                              </p:par>
+                            </p:childTnLst>
+                          </p:cTn>
+                        </p:par>
+                      </p:childTnLst>
+                    </p:cTn>
+                  </p:par>
                 </p:childTnLst>
               </p:cTn>
               <p:prevCondLst>
@@ -5620,7 +7789,7 @@
           <p:cNvPr id="2" name="Title 1">
             <a:extLst>
               <a:ext uri="{FF2B5EF4-FFF2-40B4-BE49-F238E27FC236}">
-                <a16:creationId xmlns:a16="http://schemas.microsoft.com/office/drawing/2014/main" id="{DD9B8E45-0772-954C-8D4B-6E6808DFEDED}"/>
+                <a16:creationId xmlns:a16="http://schemas.microsoft.com/office/drawing/2014/main" id="{FF6A6CB2-D1B6-B94A-84C1-83C65423C650}"/>
               </a:ext>
             </a:extLst>
           </p:cNvPr>
@@ -5633,8 +7802,8 @@
         </p:nvSpPr>
         <p:spPr>
           <a:xfrm>
-            <a:off x="838200" y="365129"/>
-            <a:ext cx="10002520" cy="1325563"/>
+            <a:off x="831851" y="1709742"/>
+            <a:ext cx="10515600" cy="2852737"/>
           </a:xfrm>
           <a:prstGeom prst="rect">
             <a:avLst/>
@@ -5649,73 +7818,7 @@
             </a:pPr>
             <a:r>
               <a:rPr/>
-              <a:t>Overview of the lab</a:t>
-            </a:r>
-          </a:p>
-        </p:txBody>
-      </p:sp>
-      <p:sp>
-        <p:nvSpPr>
-          <p:cNvPr id="3" name="Content Placeholder 2">
-            <a:extLst>
-              <a:ext uri="{FF2B5EF4-FFF2-40B4-BE49-F238E27FC236}">
-                <a16:creationId xmlns:a16="http://schemas.microsoft.com/office/drawing/2014/main" id="{A4EB24F9-04F1-C843-9D71-56C5C024552B}"/>
-              </a:ext>
-            </a:extLst>
-          </p:cNvPr>
-          <p:cNvSpPr>
-            <a:spLocks noGrp="1"/>
-          </p:cNvSpPr>
-          <p:nvPr>
-            <p:ph idx="1"/>
-          </p:nvPr>
-        </p:nvSpPr>
-        <p:spPr/>
-        <p:txBody>
-          <a:bodyPr/>
-          <a:lstStyle/>
-          <a:p>
-            <a:pPr lvl="0" indent="0" marL="0">
-              <a:buNone/>
-            </a:pPr>
-            <a:r>
-              <a:rPr/>
-              <a:t>Crack on with your projects!</a:t>
-            </a:r>
-          </a:p>
-          <a:p>
-            <a:pPr lvl="0" indent="0" marL="0">
-              <a:buNone/>
-            </a:pPr>
-            <a:r>
-              <a:rPr/>
-              <a:t>Despite a disrupted term, you’ve all made excellent progress.</a:t>
-            </a:r>
-          </a:p>
-          <a:p>
-            <a:pPr lvl="0" indent="0" marL="0">
-              <a:buNone/>
-            </a:pPr>
-            <a:r>
-              <a:rPr/>
-              <a:t>We want to catch up with </a:t>
-            </a:r>
-            <a:r>
-              <a:rPr b="1" u="sng"/>
-              <a:t>everyone</a:t>
-            </a:r>
-            <a:r>
-              <a:rPr/>
-              <a:t> in this final session.</a:t>
-            </a:r>
-          </a:p>
-          <a:p>
-            <a:pPr lvl="0" indent="0" marL="0">
-              <a:buNone/>
-            </a:pPr>
-            <a:r>
-              <a:rPr/>
-              <a:t>We need to make sure there are no researchers left behind.</a:t>
+              <a:t>Priority Announcement</a:t>
             </a:r>
           </a:p>
         </p:txBody>
@@ -5776,69 +7879,41 @@
             </a:pPr>
             <a:r>
               <a:rPr/>
-              <a:t>Please help out and confirm status</a:t>
+              <a:t>It’s snowing</a:t>
             </a:r>
           </a:p>
         </p:txBody>
       </p:sp>
-      <p:sp>
-        <p:nvSpPr>
-          <p:cNvPr id="3" name="Content Placeholder 2">
-            <a:extLst>
-              <a:ext uri="{FF2B5EF4-FFF2-40B4-BE49-F238E27FC236}">
-                <a16:creationId xmlns:a16="http://schemas.microsoft.com/office/drawing/2014/main" id="{A4EB24F9-04F1-C843-9D71-56C5C024552B}"/>
-              </a:ext>
-            </a:extLst>
-          </p:cNvPr>
-          <p:cNvSpPr>
-            <a:spLocks noGrp="1"/>
-          </p:cNvSpPr>
-          <p:nvPr>
-            <p:ph idx="1"/>
-          </p:nvPr>
-        </p:nvSpPr>
-        <p:spPr/>
-        <p:txBody>
-          <a:bodyPr/>
-          <a:lstStyle/>
-          <a:p>
-            <a:pPr lvl="0" indent="0" marL="0">
-              <a:buNone/>
-            </a:pPr>
-            <a:r>
-              <a:rPr/>
-              <a:t>Lab Tutors will do a quick tour to get a brief status update from each group.</a:t>
-            </a:r>
-          </a:p>
-          <a:p>
-            <a:pPr lvl="0" indent="0" marL="0">
-              <a:buNone/>
-            </a:pPr>
-            <a:r>
-              <a:rPr/>
-              <a:t>We will prioritise time with you all based on that.</a:t>
-            </a:r>
-          </a:p>
-          <a:p>
-            <a:pPr lvl="0" indent="0" marL="0">
-              <a:buNone/>
-            </a:pPr>
-            <a:r>
-              <a:rPr/>
-              <a:t>Please raise any concerns you have, so that we can help.</a:t>
-            </a:r>
-          </a:p>
-          <a:p>
-            <a:pPr lvl="0" indent="0" marL="0">
-              <a:buNone/>
-            </a:pPr>
-            <a:r>
-              <a:rPr/>
-              <a:t>OR if you need to drop-in online (Rail strikes)</a:t>
-            </a:r>
-          </a:p>
-        </p:txBody>
-      </p:sp>
+      <p:pic>
+        <p:nvPicPr>
+          <p:cNvPr descr="images/paste-962A9B95.png" id="0" name="Picture 1"/>
+          <p:cNvPicPr>
+            <a:picLocks noGrp="1" noChangeAspect="1"/>
+          </p:cNvPicPr>
+          <p:nvPr/>
+        </p:nvPicPr>
+        <p:blipFill>
+          <a:blip r:embed="rId2"/>
+          <a:stretch>
+            <a:fillRect/>
+          </a:stretch>
+        </p:blipFill>
+        <p:spPr bwMode="auto">
+          <a:xfrm>
+            <a:off x="4343400" y="1816100"/>
+            <a:ext cx="3492500" cy="4343400"/>
+          </a:xfrm>
+          <a:prstGeom prst="rect">
+            <a:avLst/>
+          </a:prstGeom>
+          <a:noFill/>
+          <a:ln w="9525">
+            <a:noFill/>
+            <a:headEnd/>
+            <a:tailEnd/>
+          </a:ln>
+        </p:spPr>
+      </p:pic>
     </p:spTree>
   </p:cSld>
 </p:sld>
@@ -5895,7 +7970,7 @@
             </a:pPr>
             <a:r>
               <a:rPr/>
-              <a:t>Next term</a:t>
+              <a:t>Overview of the lab</a:t>
             </a:r>
           </a:p>
         </p:txBody>
@@ -5921,45 +7996,330 @@
           <a:bodyPr/>
           <a:lstStyle/>
           <a:p>
-            <a:pPr lvl="0" indent="0" marL="0">
-              <a:buNone/>
-            </a:pPr>
+            <a:pPr lvl="0"/>
             <a:r>
               <a:rPr/>
-              <a:t>Next term is essentially split into two halves:</a:t>
-            </a:r>
-          </a:p>
-          <a:p>
-            <a:pPr lvl="0" indent="0" marL="0">
-              <a:buNone/>
-            </a:pPr>
+              <a:t>Crack on with your projects!</a:t>
+            </a:r>
+          </a:p>
+          <a:p>
+            <a:pPr lvl="0"/>
             <a:r>
               <a:rPr/>
-              <a:t>Weeks 10 – 15 are geared towards data collection and data preparation</a:t>
-            </a:r>
-          </a:p>
-          <a:p>
-            <a:pPr lvl="0" indent="0" marL="0">
-              <a:buNone/>
-            </a:pPr>
+              <a:t>Despite a disrupted term, you’ve all made excellent progress.</a:t>
+            </a:r>
+          </a:p>
+          <a:p>
+            <a:pPr lvl="0"/>
             <a:r>
               <a:rPr/>
-              <a:t>Weeks 16 – 20 are geared towards analysis, writing up, and preparing your submission </a:t>
-            </a:r>
-          </a:p>
-          <a:p>
-            <a:pPr lvl="0" indent="0" marL="0">
-              <a:buNone/>
-            </a:pPr>
+              <a:t>We want to catch up with </a:t>
+            </a:r>
+            <a:r>
+              <a:rPr b="1" u="sng"/>
+              <a:t>everyone</a:t>
+            </a:r>
             <a:r>
               <a:rPr/>
-              <a:t>Each week, we will focus on a key skill or procedure, supplying useful resources and guidance, but leaving the rest of the lab session for independent work, advice and support from your Lab Tutor, or anything else you think would be helpful!</a:t>
+              <a:t> in this final session.</a:t>
+            </a:r>
+          </a:p>
+          <a:p>
+            <a:pPr lvl="0"/>
+            <a:r>
+              <a:rPr/>
+              <a:t>We need to make sure there are ‘no researchers left behind’.</a:t>
+            </a:r>
+          </a:p>
+          <a:p>
+            <a:pPr lvl="0"/>
+            <a:r>
+              <a:rPr/>
+              <a:t>If you are not on campus, you will need to engage with us remotely!</a:t>
             </a:r>
           </a:p>
         </p:txBody>
       </p:sp>
     </p:spTree>
   </p:cSld>
+  <p:timing>
+    <p:tnLst>
+      <p:par>
+        <p:cTn id="1" dur="indefinite" restart="never" nodeType="tmRoot">
+          <p:childTnLst>
+            <p:seq concurrent="1" nextAc="seek">
+              <p:cTn id="2" dur="indefinite" nodeType="mainSeq">
+                <p:childTnLst>
+                  <p:par>
+                    <p:cTn id="3" fill="hold">
+                      <p:stCondLst>
+                        <p:cond delay="indefinite"/>
+                      </p:stCondLst>
+                      <p:childTnLst>
+                        <p:par>
+                          <p:cTn id="4" fill="hold">
+                            <p:stCondLst>
+                              <p:cond delay="0"/>
+                            </p:stCondLst>
+                            <p:childTnLst>
+                              <p:par>
+                                <p:cTn id="5" presetID="1" presetClass="entr" presetSubtype="0" fill="hold" grpId="0" nodeType="clickEffect">
+                                  <p:stCondLst>
+                                    <p:cond delay="0"/>
+                                  </p:stCondLst>
+                                  <p:childTnLst>
+                                    <p:set>
+                                      <p:cBhvr>
+                                        <p:cTn id="6" dur="1" fill="hold">
+                                          <p:stCondLst>
+                                            <p:cond delay="0"/>
+                                          </p:stCondLst>
+                                        </p:cTn>
+                                        <p:tgtEl>
+                                          <p:spTgt spid="3">
+                                            <p:txEl>
+                                              <p:pRg st="0" end="0"/>
+                                            </p:txEl>
+                                          </p:spTgt>
+                                        </p:tgtEl>
+                                        <p:attrNameLst>
+                                          <p:attrName>style.visibility</p:attrName>
+                                        </p:attrNameLst>
+                                      </p:cBhvr>
+                                      <p:to>
+                                        <p:strVal val="visible"/>
+                                      </p:to>
+                                    </p:set>
+                                  </p:childTnLst>
+                                </p:cTn>
+                              </p:par>
+                            </p:childTnLst>
+                          </p:cTn>
+                        </p:par>
+                      </p:childTnLst>
+                    </p:cTn>
+                  </p:par>
+                  <p:par>
+                    <p:cTn id="7" fill="hold">
+                      <p:stCondLst>
+                        <p:cond delay="indefinite"/>
+                      </p:stCondLst>
+                      <p:childTnLst>
+                        <p:par>
+                          <p:cTn id="8" fill="hold">
+                            <p:stCondLst>
+                              <p:cond delay="0"/>
+                            </p:stCondLst>
+                            <p:childTnLst>
+                              <p:par>
+                                <p:cTn id="9" presetID="1" presetClass="entr" presetSubtype="0" fill="hold" grpId="0" nodeType="clickEffect">
+                                  <p:stCondLst>
+                                    <p:cond delay="0"/>
+                                  </p:stCondLst>
+                                  <p:childTnLst>
+                                    <p:set>
+                                      <p:cBhvr>
+                                        <p:cTn id="10" dur="1" fill="hold">
+                                          <p:stCondLst>
+                                            <p:cond delay="0"/>
+                                          </p:stCondLst>
+                                        </p:cTn>
+                                        <p:tgtEl>
+                                          <p:spTgt spid="3">
+                                            <p:txEl>
+                                              <p:pRg st="1" end="1"/>
+                                            </p:txEl>
+                                          </p:spTgt>
+                                        </p:tgtEl>
+                                        <p:attrNameLst>
+                                          <p:attrName>style.visibility</p:attrName>
+                                        </p:attrNameLst>
+                                      </p:cBhvr>
+                                      <p:to>
+                                        <p:strVal val="visible"/>
+                                      </p:to>
+                                    </p:set>
+                                  </p:childTnLst>
+                                </p:cTn>
+                              </p:par>
+                            </p:childTnLst>
+                          </p:cTn>
+                        </p:par>
+                      </p:childTnLst>
+                    </p:cTn>
+                  </p:par>
+                  <p:par>
+                    <p:cTn id="11" fill="hold">
+                      <p:stCondLst>
+                        <p:cond delay="indefinite"/>
+                      </p:stCondLst>
+                      <p:childTnLst>
+                        <p:par>
+                          <p:cTn id="12" fill="hold">
+                            <p:stCondLst>
+                              <p:cond delay="0"/>
+                            </p:stCondLst>
+                            <p:childTnLst>
+                              <p:par>
+                                <p:cTn id="13" presetID="1" presetClass="entr" presetSubtype="0" fill="hold" grpId="0" nodeType="clickEffect">
+                                  <p:stCondLst>
+                                    <p:cond delay="0"/>
+                                  </p:stCondLst>
+                                  <p:childTnLst>
+                                    <p:set>
+                                      <p:cBhvr>
+                                        <p:cTn id="14" dur="1" fill="hold">
+                                          <p:stCondLst>
+                                            <p:cond delay="0"/>
+                                          </p:stCondLst>
+                                        </p:cTn>
+                                        <p:tgtEl>
+                                          <p:spTgt spid="3">
+                                            <p:txEl>
+                                              <p:pRg st="2" end="2"/>
+                                            </p:txEl>
+                                          </p:spTgt>
+                                        </p:tgtEl>
+                                        <p:attrNameLst>
+                                          <p:attrName>style.visibility</p:attrName>
+                                        </p:attrNameLst>
+                                      </p:cBhvr>
+                                      <p:to>
+                                        <p:strVal val="visible"/>
+                                      </p:to>
+                                    </p:set>
+                                  </p:childTnLst>
+                                </p:cTn>
+                              </p:par>
+                            </p:childTnLst>
+                          </p:cTn>
+                        </p:par>
+                      </p:childTnLst>
+                    </p:cTn>
+                  </p:par>
+                  <p:par>
+                    <p:cTn id="15" fill="hold">
+                      <p:stCondLst>
+                        <p:cond delay="indefinite"/>
+                      </p:stCondLst>
+                      <p:childTnLst>
+                        <p:par>
+                          <p:cTn id="16" fill="hold">
+                            <p:stCondLst>
+                              <p:cond delay="0"/>
+                            </p:stCondLst>
+                            <p:childTnLst>
+                              <p:par>
+                                <p:cTn id="17" presetID="1" presetClass="entr" presetSubtype="0" fill="hold" grpId="0" nodeType="clickEffect">
+                                  <p:stCondLst>
+                                    <p:cond delay="0"/>
+                                  </p:stCondLst>
+                                  <p:childTnLst>
+                                    <p:set>
+                                      <p:cBhvr>
+                                        <p:cTn id="18" dur="1" fill="hold">
+                                          <p:stCondLst>
+                                            <p:cond delay="0"/>
+                                          </p:stCondLst>
+                                        </p:cTn>
+                                        <p:tgtEl>
+                                          <p:spTgt spid="3">
+                                            <p:txEl>
+                                              <p:pRg st="3" end="3"/>
+                                            </p:txEl>
+                                          </p:spTgt>
+                                        </p:tgtEl>
+                                        <p:attrNameLst>
+                                          <p:attrName>style.visibility</p:attrName>
+                                        </p:attrNameLst>
+                                      </p:cBhvr>
+                                      <p:to>
+                                        <p:strVal val="visible"/>
+                                      </p:to>
+                                    </p:set>
+                                  </p:childTnLst>
+                                </p:cTn>
+                              </p:par>
+                            </p:childTnLst>
+                          </p:cTn>
+                        </p:par>
+                      </p:childTnLst>
+                    </p:cTn>
+                  </p:par>
+                  <p:par>
+                    <p:cTn id="19" fill="hold">
+                      <p:stCondLst>
+                        <p:cond delay="indefinite"/>
+                      </p:stCondLst>
+                      <p:childTnLst>
+                        <p:par>
+                          <p:cTn id="20" fill="hold">
+                            <p:stCondLst>
+                              <p:cond delay="0"/>
+                            </p:stCondLst>
+                            <p:childTnLst>
+                              <p:par>
+                                <p:cTn id="21" presetID="1" presetClass="entr" presetSubtype="0" fill="hold" grpId="0" nodeType="clickEffect">
+                                  <p:stCondLst>
+                                    <p:cond delay="0"/>
+                                  </p:stCondLst>
+                                  <p:childTnLst>
+                                    <p:set>
+                                      <p:cBhvr>
+                                        <p:cTn id="22" dur="1" fill="hold">
+                                          <p:stCondLst>
+                                            <p:cond delay="0"/>
+                                          </p:stCondLst>
+                                        </p:cTn>
+                                        <p:tgtEl>
+                                          <p:spTgt spid="3">
+                                            <p:txEl>
+                                              <p:pRg st="4" end="4"/>
+                                            </p:txEl>
+                                          </p:spTgt>
+                                        </p:tgtEl>
+                                        <p:attrNameLst>
+                                          <p:attrName>style.visibility</p:attrName>
+                                        </p:attrNameLst>
+                                      </p:cBhvr>
+                                      <p:to>
+                                        <p:strVal val="visible"/>
+                                      </p:to>
+                                    </p:set>
+                                  </p:childTnLst>
+                                </p:cTn>
+                              </p:par>
+                            </p:childTnLst>
+                          </p:cTn>
+                        </p:par>
+                      </p:childTnLst>
+                    </p:cTn>
+                  </p:par>
+                </p:childTnLst>
+              </p:cTn>
+              <p:prevCondLst>
+                <p:cond evt="onPrev" delay="0">
+                  <p:tgtEl>
+                    <p:sldTgt/>
+                  </p:tgtEl>
+                </p:cond>
+              </p:prevCondLst>
+              <p:nextCondLst>
+                <p:cond evt="onNext" delay="0">
+                  <p:tgtEl>
+                    <p:sldTgt/>
+                  </p:tgtEl>
+                </p:cond>
+              </p:nextCondLst>
+            </p:seq>
+          </p:childTnLst>
+        </p:cTn>
+      </p:par>
+    </p:tnLst>
+    <p:bldLst>
+      <p:bldP spid="3" grpId="0" uiExpand="1" build="p"/>
+    </p:bldLst>
+  </p:timing>
 </p:sld>
 </file>
 
@@ -6014,7 +8374,7 @@
             </a:pPr>
             <a:r>
               <a:rPr/>
-              <a:t>Weeks 10 – 15 (alongside data collection)</a:t>
+              <a:t>Please help out and confirm status</a:t>
             </a:r>
           </a:p>
         </p:txBody>
@@ -6043,14 +8403,600 @@
             <a:pPr lvl="0"/>
             <a:r>
               <a:rPr/>
-              <a:t>In week 10 - Enrol everyone on the Study Swap system and start collecting data</a:t>
+              <a:t>Lab Tutors will do a quick tour to get a brief status update from each group.</a:t>
             </a:r>
           </a:p>
           <a:p>
             <a:pPr lvl="0"/>
             <a:r>
               <a:rPr/>
-              <a:t>In week 11 - We begin the process of focussing on Writing &amp; Analysis</a:t>
+              <a:t>We will prioritise time with you all based on that.</a:t>
+            </a:r>
+          </a:p>
+          <a:p>
+            <a:pPr lvl="0"/>
+            <a:r>
+              <a:rPr/>
+              <a:t>Please raise any concerns you have, so that we can help.</a:t>
+            </a:r>
+          </a:p>
+          <a:p>
+            <a:pPr lvl="0"/>
+            <a:r>
+              <a:rPr/>
+              <a:t>OR if you need to drop-in online (Rail strikes)</a:t>
+            </a:r>
+          </a:p>
+        </p:txBody>
+      </p:sp>
+    </p:spTree>
+  </p:cSld>
+  <p:timing>
+    <p:tnLst>
+      <p:par>
+        <p:cTn id="1" dur="indefinite" restart="never" nodeType="tmRoot">
+          <p:childTnLst>
+            <p:seq concurrent="1" nextAc="seek">
+              <p:cTn id="2" dur="indefinite" nodeType="mainSeq">
+                <p:childTnLst>
+                  <p:par>
+                    <p:cTn id="3" fill="hold">
+                      <p:stCondLst>
+                        <p:cond delay="indefinite"/>
+                      </p:stCondLst>
+                      <p:childTnLst>
+                        <p:par>
+                          <p:cTn id="4" fill="hold">
+                            <p:stCondLst>
+                              <p:cond delay="0"/>
+                            </p:stCondLst>
+                            <p:childTnLst>
+                              <p:par>
+                                <p:cTn id="5" presetID="1" presetClass="entr" presetSubtype="0" fill="hold" grpId="0" nodeType="clickEffect">
+                                  <p:stCondLst>
+                                    <p:cond delay="0"/>
+                                  </p:stCondLst>
+                                  <p:childTnLst>
+                                    <p:set>
+                                      <p:cBhvr>
+                                        <p:cTn id="6" dur="1" fill="hold">
+                                          <p:stCondLst>
+                                            <p:cond delay="0"/>
+                                          </p:stCondLst>
+                                        </p:cTn>
+                                        <p:tgtEl>
+                                          <p:spTgt spid="3">
+                                            <p:txEl>
+                                              <p:pRg st="0" end="0"/>
+                                            </p:txEl>
+                                          </p:spTgt>
+                                        </p:tgtEl>
+                                        <p:attrNameLst>
+                                          <p:attrName>style.visibility</p:attrName>
+                                        </p:attrNameLst>
+                                      </p:cBhvr>
+                                      <p:to>
+                                        <p:strVal val="visible"/>
+                                      </p:to>
+                                    </p:set>
+                                  </p:childTnLst>
+                                </p:cTn>
+                              </p:par>
+                            </p:childTnLst>
+                          </p:cTn>
+                        </p:par>
+                      </p:childTnLst>
+                    </p:cTn>
+                  </p:par>
+                  <p:par>
+                    <p:cTn id="7" fill="hold">
+                      <p:stCondLst>
+                        <p:cond delay="indefinite"/>
+                      </p:stCondLst>
+                      <p:childTnLst>
+                        <p:par>
+                          <p:cTn id="8" fill="hold">
+                            <p:stCondLst>
+                              <p:cond delay="0"/>
+                            </p:stCondLst>
+                            <p:childTnLst>
+                              <p:par>
+                                <p:cTn id="9" presetID="1" presetClass="entr" presetSubtype="0" fill="hold" grpId="0" nodeType="clickEffect">
+                                  <p:stCondLst>
+                                    <p:cond delay="0"/>
+                                  </p:stCondLst>
+                                  <p:childTnLst>
+                                    <p:set>
+                                      <p:cBhvr>
+                                        <p:cTn id="10" dur="1" fill="hold">
+                                          <p:stCondLst>
+                                            <p:cond delay="0"/>
+                                          </p:stCondLst>
+                                        </p:cTn>
+                                        <p:tgtEl>
+                                          <p:spTgt spid="3">
+                                            <p:txEl>
+                                              <p:pRg st="1" end="1"/>
+                                            </p:txEl>
+                                          </p:spTgt>
+                                        </p:tgtEl>
+                                        <p:attrNameLst>
+                                          <p:attrName>style.visibility</p:attrName>
+                                        </p:attrNameLst>
+                                      </p:cBhvr>
+                                      <p:to>
+                                        <p:strVal val="visible"/>
+                                      </p:to>
+                                    </p:set>
+                                  </p:childTnLst>
+                                </p:cTn>
+                              </p:par>
+                            </p:childTnLst>
+                          </p:cTn>
+                        </p:par>
+                      </p:childTnLst>
+                    </p:cTn>
+                  </p:par>
+                  <p:par>
+                    <p:cTn id="11" fill="hold">
+                      <p:stCondLst>
+                        <p:cond delay="indefinite"/>
+                      </p:stCondLst>
+                      <p:childTnLst>
+                        <p:par>
+                          <p:cTn id="12" fill="hold">
+                            <p:stCondLst>
+                              <p:cond delay="0"/>
+                            </p:stCondLst>
+                            <p:childTnLst>
+                              <p:par>
+                                <p:cTn id="13" presetID="1" presetClass="entr" presetSubtype="0" fill="hold" grpId="0" nodeType="clickEffect">
+                                  <p:stCondLst>
+                                    <p:cond delay="0"/>
+                                  </p:stCondLst>
+                                  <p:childTnLst>
+                                    <p:set>
+                                      <p:cBhvr>
+                                        <p:cTn id="14" dur="1" fill="hold">
+                                          <p:stCondLst>
+                                            <p:cond delay="0"/>
+                                          </p:stCondLst>
+                                        </p:cTn>
+                                        <p:tgtEl>
+                                          <p:spTgt spid="3">
+                                            <p:txEl>
+                                              <p:pRg st="2" end="2"/>
+                                            </p:txEl>
+                                          </p:spTgt>
+                                        </p:tgtEl>
+                                        <p:attrNameLst>
+                                          <p:attrName>style.visibility</p:attrName>
+                                        </p:attrNameLst>
+                                      </p:cBhvr>
+                                      <p:to>
+                                        <p:strVal val="visible"/>
+                                      </p:to>
+                                    </p:set>
+                                  </p:childTnLst>
+                                </p:cTn>
+                              </p:par>
+                            </p:childTnLst>
+                          </p:cTn>
+                        </p:par>
+                      </p:childTnLst>
+                    </p:cTn>
+                  </p:par>
+                  <p:par>
+                    <p:cTn id="15" fill="hold">
+                      <p:stCondLst>
+                        <p:cond delay="indefinite"/>
+                      </p:stCondLst>
+                      <p:childTnLst>
+                        <p:par>
+                          <p:cTn id="16" fill="hold">
+                            <p:stCondLst>
+                              <p:cond delay="0"/>
+                            </p:stCondLst>
+                            <p:childTnLst>
+                              <p:par>
+                                <p:cTn id="17" presetID="1" presetClass="entr" presetSubtype="0" fill="hold" grpId="0" nodeType="clickEffect">
+                                  <p:stCondLst>
+                                    <p:cond delay="0"/>
+                                  </p:stCondLst>
+                                  <p:childTnLst>
+                                    <p:set>
+                                      <p:cBhvr>
+                                        <p:cTn id="18" dur="1" fill="hold">
+                                          <p:stCondLst>
+                                            <p:cond delay="0"/>
+                                          </p:stCondLst>
+                                        </p:cTn>
+                                        <p:tgtEl>
+                                          <p:spTgt spid="3">
+                                            <p:txEl>
+                                              <p:pRg st="3" end="3"/>
+                                            </p:txEl>
+                                          </p:spTgt>
+                                        </p:tgtEl>
+                                        <p:attrNameLst>
+                                          <p:attrName>style.visibility</p:attrName>
+                                        </p:attrNameLst>
+                                      </p:cBhvr>
+                                      <p:to>
+                                        <p:strVal val="visible"/>
+                                      </p:to>
+                                    </p:set>
+                                  </p:childTnLst>
+                                </p:cTn>
+                              </p:par>
+                            </p:childTnLst>
+                          </p:cTn>
+                        </p:par>
+                      </p:childTnLst>
+                    </p:cTn>
+                  </p:par>
+                </p:childTnLst>
+              </p:cTn>
+              <p:prevCondLst>
+                <p:cond evt="onPrev" delay="0">
+                  <p:tgtEl>
+                    <p:sldTgt/>
+                  </p:tgtEl>
+                </p:cond>
+              </p:prevCondLst>
+              <p:nextCondLst>
+                <p:cond evt="onNext" delay="0">
+                  <p:tgtEl>
+                    <p:sldTgt/>
+                  </p:tgtEl>
+                </p:cond>
+              </p:nextCondLst>
+            </p:seq>
+          </p:childTnLst>
+        </p:cTn>
+      </p:par>
+    </p:tnLst>
+    <p:bldLst>
+      <p:bldP spid="3" grpId="0" uiExpand="1" build="p"/>
+    </p:bldLst>
+  </p:timing>
+</p:sld>
+</file>
+
+<file path=ppt/slides/slide8.xml><?xml version="1.0" encoding="utf-8"?>
+<p:sld xmlns:a="http://schemas.openxmlformats.org/drawingml/2006/main" xmlns:r="http://schemas.openxmlformats.org/officeDocument/2006/relationships" xmlns:p="http://schemas.openxmlformats.org/presentationml/2006/main">
+  <p:cSld>
+    <p:spTree>
+      <p:nvGrpSpPr>
+        <p:cNvPr id="1" name=""/>
+        <p:cNvGrpSpPr/>
+        <p:nvPr/>
+      </p:nvGrpSpPr>
+      <p:grpSpPr>
+        <a:xfrm>
+          <a:off x="0" y="0"/>
+          <a:ext cx="0" cy="0"/>
+          <a:chOff x="0" y="0"/>
+          <a:chExt cx="0" cy="0"/>
+        </a:xfrm>
+      </p:grpSpPr>
+      <p:sp>
+        <p:nvSpPr>
+          <p:cNvPr id="2" name="Title 1">
+            <a:extLst>
+              <a:ext uri="{FF2B5EF4-FFF2-40B4-BE49-F238E27FC236}">
+                <a16:creationId xmlns:a16="http://schemas.microsoft.com/office/drawing/2014/main" id="{DD9B8E45-0772-954C-8D4B-6E6808DFEDED}"/>
+              </a:ext>
+            </a:extLst>
+          </p:cNvPr>
+          <p:cNvSpPr>
+            <a:spLocks noGrp="1"/>
+          </p:cNvSpPr>
+          <p:nvPr>
+            <p:ph type="title"/>
+          </p:nvPr>
+        </p:nvSpPr>
+        <p:spPr>
+          <a:xfrm>
+            <a:off x="838200" y="365129"/>
+            <a:ext cx="10002520" cy="1325563"/>
+          </a:xfrm>
+          <a:prstGeom prst="rect">
+            <a:avLst/>
+          </a:prstGeom>
+        </p:spPr>
+        <p:txBody>
+          <a:bodyPr/>
+          <a:lstStyle/>
+          <a:p>
+            <a:pPr lvl="0" indent="0" marL="0">
+              <a:buNone/>
+            </a:pPr>
+            <a:r>
+              <a:rPr/>
+              <a:t>Next term</a:t>
+            </a:r>
+          </a:p>
+        </p:txBody>
+      </p:sp>
+      <p:sp>
+        <p:nvSpPr>
+          <p:cNvPr id="3" name="Content Placeholder 2">
+            <a:extLst>
+              <a:ext uri="{FF2B5EF4-FFF2-40B4-BE49-F238E27FC236}">
+                <a16:creationId xmlns:a16="http://schemas.microsoft.com/office/drawing/2014/main" id="{A4EB24F9-04F1-C843-9D71-56C5C024552B}"/>
+              </a:ext>
+            </a:extLst>
+          </p:cNvPr>
+          <p:cNvSpPr>
+            <a:spLocks noGrp="1"/>
+          </p:cNvSpPr>
+          <p:nvPr>
+            <p:ph idx="1"/>
+          </p:nvPr>
+        </p:nvSpPr>
+        <p:spPr/>
+        <p:txBody>
+          <a:bodyPr/>
+          <a:lstStyle/>
+          <a:p>
+            <a:pPr lvl="0" indent="0" marL="0">
+              <a:buNone/>
+            </a:pPr>
+            <a:r>
+              <a:rPr/>
+              <a:t>Next term is essentially split into two halves:</a:t>
+            </a:r>
+          </a:p>
+          <a:p>
+            <a:pPr lvl="0" indent="0" marL="0">
+              <a:buNone/>
+            </a:pPr>
+            <a:r>
+              <a:rPr/>
+              <a:t>Each week, we will focus on a key skill or procedure, supplying useful resources and guidance, but leaving the rest of the lab session for independent work, advice and support from your Lab Tutor, or anything else you think would be helpful!</a:t>
+            </a:r>
+          </a:p>
+          <a:p>
+            <a:pPr lvl="0"/>
+            <a:r>
+              <a:rPr/>
+              <a:t>Weeks 10 – 15 are geared towards data collection and data preparation</a:t>
+            </a:r>
+          </a:p>
+          <a:p>
+            <a:pPr lvl="0"/>
+            <a:r>
+              <a:rPr/>
+              <a:t>Weeks 16 – 20 are geared towards analysis, writing up, and preparing your submission </a:t>
+            </a:r>
+          </a:p>
+        </p:txBody>
+      </p:sp>
+    </p:spTree>
+  </p:cSld>
+  <p:timing>
+    <p:tnLst>
+      <p:par>
+        <p:cTn id="1" dur="indefinite" restart="never" nodeType="tmRoot">
+          <p:childTnLst>
+            <p:seq concurrent="1" nextAc="seek">
+              <p:cTn id="2" dur="indefinite" nodeType="mainSeq">
+                <p:childTnLst>
+                  <p:par>
+                    <p:cTn id="3" fill="hold">
+                      <p:stCondLst>
+                        <p:cond delay="indefinite"/>
+                      </p:stCondLst>
+                      <p:childTnLst>
+                        <p:par>
+                          <p:cTn id="4" fill="hold">
+                            <p:stCondLst>
+                              <p:cond delay="0"/>
+                            </p:stCondLst>
+                            <p:childTnLst>
+                              <p:par>
+                                <p:cTn id="5" presetID="1" presetClass="entr" presetSubtype="0" fill="hold" grpId="0" nodeType="clickEffect">
+                                  <p:stCondLst>
+                                    <p:cond delay="0"/>
+                                  </p:stCondLst>
+                                  <p:childTnLst>
+                                    <p:set>
+                                      <p:cBhvr>
+                                        <p:cTn id="6" dur="1" fill="hold">
+                                          <p:stCondLst>
+                                            <p:cond delay="0"/>
+                                          </p:stCondLst>
+                                        </p:cTn>
+                                        <p:tgtEl>
+                                          <p:spTgt spid="3">
+                                            <p:txEl>
+                                              <p:pRg st="2" end="2"/>
+                                            </p:txEl>
+                                          </p:spTgt>
+                                        </p:tgtEl>
+                                        <p:attrNameLst>
+                                          <p:attrName>style.visibility</p:attrName>
+                                        </p:attrNameLst>
+                                      </p:cBhvr>
+                                      <p:to>
+                                        <p:strVal val="visible"/>
+                                      </p:to>
+                                    </p:set>
+                                  </p:childTnLst>
+                                </p:cTn>
+                              </p:par>
+                            </p:childTnLst>
+                          </p:cTn>
+                        </p:par>
+                      </p:childTnLst>
+                    </p:cTn>
+                  </p:par>
+                  <p:par>
+                    <p:cTn id="7" fill="hold">
+                      <p:stCondLst>
+                        <p:cond delay="indefinite"/>
+                      </p:stCondLst>
+                      <p:childTnLst>
+                        <p:par>
+                          <p:cTn id="8" fill="hold">
+                            <p:stCondLst>
+                              <p:cond delay="0"/>
+                            </p:stCondLst>
+                            <p:childTnLst>
+                              <p:par>
+                                <p:cTn id="9" presetID="1" presetClass="entr" presetSubtype="0" fill="hold" grpId="0" nodeType="clickEffect">
+                                  <p:stCondLst>
+                                    <p:cond delay="0"/>
+                                  </p:stCondLst>
+                                  <p:childTnLst>
+                                    <p:set>
+                                      <p:cBhvr>
+                                        <p:cTn id="10" dur="1" fill="hold">
+                                          <p:stCondLst>
+                                            <p:cond delay="0"/>
+                                          </p:stCondLst>
+                                        </p:cTn>
+                                        <p:tgtEl>
+                                          <p:spTgt spid="3">
+                                            <p:txEl>
+                                              <p:pRg st="3" end="3"/>
+                                            </p:txEl>
+                                          </p:spTgt>
+                                        </p:tgtEl>
+                                        <p:attrNameLst>
+                                          <p:attrName>style.visibility</p:attrName>
+                                        </p:attrNameLst>
+                                      </p:cBhvr>
+                                      <p:to>
+                                        <p:strVal val="visible"/>
+                                      </p:to>
+                                    </p:set>
+                                  </p:childTnLst>
+                                </p:cTn>
+                              </p:par>
+                            </p:childTnLst>
+                          </p:cTn>
+                        </p:par>
+                      </p:childTnLst>
+                    </p:cTn>
+                  </p:par>
+                </p:childTnLst>
+              </p:cTn>
+              <p:prevCondLst>
+                <p:cond evt="onPrev" delay="0">
+                  <p:tgtEl>
+                    <p:sldTgt/>
+                  </p:tgtEl>
+                </p:cond>
+              </p:prevCondLst>
+              <p:nextCondLst>
+                <p:cond evt="onNext" delay="0">
+                  <p:tgtEl>
+                    <p:sldTgt/>
+                  </p:tgtEl>
+                </p:cond>
+              </p:nextCondLst>
+            </p:seq>
+          </p:childTnLst>
+        </p:cTn>
+      </p:par>
+    </p:tnLst>
+    <p:bldLst>
+      <p:bldP spid="3" grpId="0" uiExpand="1" build="p"/>
+    </p:bldLst>
+  </p:timing>
+</p:sld>
+</file>
+
+<file path=ppt/slides/slide9.xml><?xml version="1.0" encoding="utf-8"?>
+<p:sld xmlns:a="http://schemas.openxmlformats.org/drawingml/2006/main" xmlns:r="http://schemas.openxmlformats.org/officeDocument/2006/relationships" xmlns:p="http://schemas.openxmlformats.org/presentationml/2006/main">
+  <p:cSld>
+    <p:spTree>
+      <p:nvGrpSpPr>
+        <p:cNvPr id="1" name=""/>
+        <p:cNvGrpSpPr/>
+        <p:nvPr/>
+      </p:nvGrpSpPr>
+      <p:grpSpPr>
+        <a:xfrm>
+          <a:off x="0" y="0"/>
+          <a:ext cx="0" cy="0"/>
+          <a:chOff x="0" y="0"/>
+          <a:chExt cx="0" cy="0"/>
+        </a:xfrm>
+      </p:grpSpPr>
+      <p:sp>
+        <p:nvSpPr>
+          <p:cNvPr id="2" name="Title 1">
+            <a:extLst>
+              <a:ext uri="{FF2B5EF4-FFF2-40B4-BE49-F238E27FC236}">
+                <a16:creationId xmlns:a16="http://schemas.microsoft.com/office/drawing/2014/main" id="{DD9B8E45-0772-954C-8D4B-6E6808DFEDED}"/>
+              </a:ext>
+            </a:extLst>
+          </p:cNvPr>
+          <p:cNvSpPr>
+            <a:spLocks noGrp="1"/>
+          </p:cNvSpPr>
+          <p:nvPr>
+            <p:ph type="title"/>
+          </p:nvPr>
+        </p:nvSpPr>
+        <p:spPr>
+          <a:xfrm>
+            <a:off x="838200" y="365129"/>
+            <a:ext cx="10002520" cy="1325563"/>
+          </a:xfrm>
+          <a:prstGeom prst="rect">
+            <a:avLst/>
+          </a:prstGeom>
+        </p:spPr>
+        <p:txBody>
+          <a:bodyPr/>
+          <a:lstStyle/>
+          <a:p>
+            <a:pPr lvl="0" indent="0" marL="0">
+              <a:buNone/>
+            </a:pPr>
+            <a:r>
+              <a:rPr/>
+              <a:t>Weeks 10 – 15 (alongside lectures &amp; data collection)</a:t>
+            </a:r>
+          </a:p>
+        </p:txBody>
+      </p:sp>
+      <p:sp>
+        <p:nvSpPr>
+          <p:cNvPr id="3" name="Content Placeholder 2">
+            <a:extLst>
+              <a:ext uri="{FF2B5EF4-FFF2-40B4-BE49-F238E27FC236}">
+                <a16:creationId xmlns:a16="http://schemas.microsoft.com/office/drawing/2014/main" id="{A4EB24F9-04F1-C843-9D71-56C5C024552B}"/>
+              </a:ext>
+            </a:extLst>
+          </p:cNvPr>
+          <p:cNvSpPr>
+            <a:spLocks noGrp="1"/>
+          </p:cNvSpPr>
+          <p:nvPr>
+            <p:ph idx="1"/>
+          </p:nvPr>
+        </p:nvSpPr>
+        <p:spPr/>
+        <p:txBody>
+          <a:bodyPr/>
+          <a:lstStyle/>
+          <a:p>
+            <a:pPr lvl="0"/>
+            <a:r>
+              <a:rPr/>
+              <a:t>In week 10 - Enrol everyone on the Study Swap system and mobilise for data collection</a:t>
+            </a:r>
+          </a:p>
+          <a:p>
+            <a:pPr lvl="0"/>
+            <a:r>
+              <a:rPr/>
+              <a:t>In week 11 - We begin the process of focusing on Writing &amp; Analysis</a:t>
             </a:r>
           </a:p>
           <a:p>
@@ -6375,652 +9321,6 @@
                                           <p:spTgt spid="3">
                                             <p:txEl>
                                               <p:pRg st="5" end="5"/>
-                                            </p:txEl>
-                                          </p:spTgt>
-                                        </p:tgtEl>
-                                        <p:attrNameLst>
-                                          <p:attrName>style.visibility</p:attrName>
-                                        </p:attrNameLst>
-                                      </p:cBhvr>
-                                      <p:to>
-                                        <p:strVal val="visible"/>
-                                      </p:to>
-                                    </p:set>
-                                  </p:childTnLst>
-                                </p:cTn>
-                              </p:par>
-                            </p:childTnLst>
-                          </p:cTn>
-                        </p:par>
-                      </p:childTnLst>
-                    </p:cTn>
-                  </p:par>
-                </p:childTnLst>
-              </p:cTn>
-              <p:prevCondLst>
-                <p:cond evt="onPrev" delay="0">
-                  <p:tgtEl>
-                    <p:sldTgt/>
-                  </p:tgtEl>
-                </p:cond>
-              </p:prevCondLst>
-              <p:nextCondLst>
-                <p:cond evt="onNext" delay="0">
-                  <p:tgtEl>
-                    <p:sldTgt/>
-                  </p:tgtEl>
-                </p:cond>
-              </p:nextCondLst>
-            </p:seq>
-          </p:childTnLst>
-        </p:cTn>
-      </p:par>
-    </p:tnLst>
-    <p:bldLst>
-      <p:bldP spid="3" grpId="0" uiExpand="1" build="p"/>
-    </p:bldLst>
-  </p:timing>
-</p:sld>
-</file>
-
-<file path=ppt/slides/slide8.xml><?xml version="1.0" encoding="utf-8"?>
-<p:sld xmlns:a="http://schemas.openxmlformats.org/drawingml/2006/main" xmlns:r="http://schemas.openxmlformats.org/officeDocument/2006/relationships" xmlns:p="http://schemas.openxmlformats.org/presentationml/2006/main">
-  <p:cSld>
-    <p:spTree>
-      <p:nvGrpSpPr>
-        <p:cNvPr id="1" name=""/>
-        <p:cNvGrpSpPr/>
-        <p:nvPr/>
-      </p:nvGrpSpPr>
-      <p:grpSpPr>
-        <a:xfrm>
-          <a:off x="0" y="0"/>
-          <a:ext cx="0" cy="0"/>
-          <a:chOff x="0" y="0"/>
-          <a:chExt cx="0" cy="0"/>
-        </a:xfrm>
-      </p:grpSpPr>
-      <p:sp>
-        <p:nvSpPr>
-          <p:cNvPr id="2" name="Title 1">
-            <a:extLst>
-              <a:ext uri="{FF2B5EF4-FFF2-40B4-BE49-F238E27FC236}">
-                <a16:creationId xmlns:a16="http://schemas.microsoft.com/office/drawing/2014/main" id="{DD9B8E45-0772-954C-8D4B-6E6808DFEDED}"/>
-              </a:ext>
-            </a:extLst>
-          </p:cNvPr>
-          <p:cNvSpPr>
-            <a:spLocks noGrp="1"/>
-          </p:cNvSpPr>
-          <p:nvPr>
-            <p:ph type="title"/>
-          </p:nvPr>
-        </p:nvSpPr>
-        <p:spPr>
-          <a:xfrm>
-            <a:off x="838200" y="365129"/>
-            <a:ext cx="10002520" cy="1325563"/>
-          </a:xfrm>
-          <a:prstGeom prst="rect">
-            <a:avLst/>
-          </a:prstGeom>
-        </p:spPr>
-        <p:txBody>
-          <a:bodyPr/>
-          <a:lstStyle/>
-          <a:p>
-            <a:pPr lvl="0" indent="0" marL="0">
-              <a:buNone/>
-            </a:pPr>
-            <a:r>
-              <a:rPr/>
-              <a:t>New on the VLE</a:t>
-            </a:r>
-          </a:p>
-        </p:txBody>
-      </p:sp>
-      <p:sp>
-        <p:nvSpPr>
-          <p:cNvPr id="3" name="Content Placeholder 2">
-            <a:extLst>
-              <a:ext uri="{FF2B5EF4-FFF2-40B4-BE49-F238E27FC236}">
-                <a16:creationId xmlns:a16="http://schemas.microsoft.com/office/drawing/2014/main" id="{A4EB24F9-04F1-C843-9D71-56C5C024552B}"/>
-              </a:ext>
-            </a:extLst>
-          </p:cNvPr>
-          <p:cNvSpPr>
-            <a:spLocks noGrp="1"/>
-          </p:cNvSpPr>
-          <p:nvPr>
-            <p:ph idx="1"/>
-          </p:nvPr>
-        </p:nvSpPr>
-        <p:spPr/>
-        <p:txBody>
-          <a:bodyPr/>
-          <a:lstStyle/>
-          <a:p>
-            <a:pPr lvl="0" indent="0" marL="0">
-              <a:buNone/>
-            </a:pPr>
-            <a:r>
-              <a:rPr/>
-              <a:t>An APA 7</a:t>
-            </a:r>
-            <a:r>
-              <a:rPr baseline="30000"/>
-              <a:t>th</a:t>
-            </a:r>
-            <a:r>
-              <a:rPr/>
-              <a:t> Edition Mini-Dissertation template word document</a:t>
-            </a:r>
-          </a:p>
-          <a:p>
-            <a:pPr lvl="0"/>
-            <a:r>
-              <a:rPr/>
-              <a:t>An APA 7</a:t>
-            </a:r>
-            <a:r>
-              <a:rPr baseline="30000"/>
-              <a:t>th</a:t>
-            </a:r>
-            <a:r>
-              <a:rPr/>
-              <a:t> Edition Reference Cheat Sheet</a:t>
-            </a:r>
-          </a:p>
-          <a:p>
-            <a:pPr lvl="0"/>
-            <a:r>
-              <a:rPr/>
-              <a:t>Extended Mini-Dissertation Marking Criteria</a:t>
-            </a:r>
-          </a:p>
-          <a:p>
-            <a:pPr lvl="0"/>
-            <a:r>
-              <a:rPr/>
-              <a:t>2 x Example Mini-Dissertations</a:t>
-            </a:r>
-          </a:p>
-          <a:p>
-            <a:pPr lvl="0" indent="0" marL="0">
-              <a:buNone/>
-            </a:pPr>
-            <a:r>
-              <a:rPr/>
-              <a:t>. . .</a:t>
-            </a:r>
-          </a:p>
-          <a:p>
-            <a:pPr lvl="0" indent="0" marL="0">
-              <a:buNone/>
-            </a:pPr>
-            <a:r>
-              <a:rPr b="1"/>
-              <a:t>You can find these all on the VLE in the</a:t>
-            </a:r>
-          </a:p>
-          <a:p>
-            <a:pPr lvl="0" indent="0" marL="0">
-              <a:buNone/>
-            </a:pPr>
-            <a:r>
-              <a:rPr b="1"/>
-              <a:t>‘Mini-Dissertation resources’ section of the VLE</a:t>
-            </a:r>
-          </a:p>
-        </p:txBody>
-      </p:sp>
-    </p:spTree>
-  </p:cSld>
-  <p:timing>
-    <p:tnLst>
-      <p:par>
-        <p:cTn id="1" dur="indefinite" restart="never" nodeType="tmRoot">
-          <p:childTnLst>
-            <p:seq concurrent="1" nextAc="seek">
-              <p:cTn id="2" dur="indefinite" nodeType="mainSeq">
-                <p:childTnLst>
-                  <p:par>
-                    <p:cTn id="3" fill="hold">
-                      <p:stCondLst>
-                        <p:cond delay="indefinite"/>
-                      </p:stCondLst>
-                      <p:childTnLst>
-                        <p:par>
-                          <p:cTn id="4" fill="hold">
-                            <p:stCondLst>
-                              <p:cond delay="0"/>
-                            </p:stCondLst>
-                            <p:childTnLst>
-                              <p:par>
-                                <p:cTn id="5" presetID="1" presetClass="entr" presetSubtype="0" fill="hold" grpId="0" nodeType="clickEffect">
-                                  <p:stCondLst>
-                                    <p:cond delay="0"/>
-                                  </p:stCondLst>
-                                  <p:childTnLst>
-                                    <p:set>
-                                      <p:cBhvr>
-                                        <p:cTn id="6" dur="1" fill="hold">
-                                          <p:stCondLst>
-                                            <p:cond delay="0"/>
-                                          </p:stCondLst>
-                                        </p:cTn>
-                                        <p:tgtEl>
-                                          <p:spTgt spid="3">
-                                            <p:txEl>
-                                              <p:pRg st="1" end="1"/>
-                                            </p:txEl>
-                                          </p:spTgt>
-                                        </p:tgtEl>
-                                        <p:attrNameLst>
-                                          <p:attrName>style.visibility</p:attrName>
-                                        </p:attrNameLst>
-                                      </p:cBhvr>
-                                      <p:to>
-                                        <p:strVal val="visible"/>
-                                      </p:to>
-                                    </p:set>
-                                  </p:childTnLst>
-                                </p:cTn>
-                              </p:par>
-                            </p:childTnLst>
-                          </p:cTn>
-                        </p:par>
-                      </p:childTnLst>
-                    </p:cTn>
-                  </p:par>
-                  <p:par>
-                    <p:cTn id="7" fill="hold">
-                      <p:stCondLst>
-                        <p:cond delay="indefinite"/>
-                      </p:stCondLst>
-                      <p:childTnLst>
-                        <p:par>
-                          <p:cTn id="8" fill="hold">
-                            <p:stCondLst>
-                              <p:cond delay="0"/>
-                            </p:stCondLst>
-                            <p:childTnLst>
-                              <p:par>
-                                <p:cTn id="9" presetID="1" presetClass="entr" presetSubtype="0" fill="hold" grpId="0" nodeType="clickEffect">
-                                  <p:stCondLst>
-                                    <p:cond delay="0"/>
-                                  </p:stCondLst>
-                                  <p:childTnLst>
-                                    <p:set>
-                                      <p:cBhvr>
-                                        <p:cTn id="10" dur="1" fill="hold">
-                                          <p:stCondLst>
-                                            <p:cond delay="0"/>
-                                          </p:stCondLst>
-                                        </p:cTn>
-                                        <p:tgtEl>
-                                          <p:spTgt spid="3">
-                                            <p:txEl>
-                                              <p:pRg st="2" end="2"/>
-                                            </p:txEl>
-                                          </p:spTgt>
-                                        </p:tgtEl>
-                                        <p:attrNameLst>
-                                          <p:attrName>style.visibility</p:attrName>
-                                        </p:attrNameLst>
-                                      </p:cBhvr>
-                                      <p:to>
-                                        <p:strVal val="visible"/>
-                                      </p:to>
-                                    </p:set>
-                                  </p:childTnLst>
-                                </p:cTn>
-                              </p:par>
-                            </p:childTnLst>
-                          </p:cTn>
-                        </p:par>
-                      </p:childTnLst>
-                    </p:cTn>
-                  </p:par>
-                  <p:par>
-                    <p:cTn id="11" fill="hold">
-                      <p:stCondLst>
-                        <p:cond delay="indefinite"/>
-                      </p:stCondLst>
-                      <p:childTnLst>
-                        <p:par>
-                          <p:cTn id="12" fill="hold">
-                            <p:stCondLst>
-                              <p:cond delay="0"/>
-                            </p:stCondLst>
-                            <p:childTnLst>
-                              <p:par>
-                                <p:cTn id="13" presetID="1" presetClass="entr" presetSubtype="0" fill="hold" grpId="0" nodeType="clickEffect">
-                                  <p:stCondLst>
-                                    <p:cond delay="0"/>
-                                  </p:stCondLst>
-                                  <p:childTnLst>
-                                    <p:set>
-                                      <p:cBhvr>
-                                        <p:cTn id="14" dur="1" fill="hold">
-                                          <p:stCondLst>
-                                            <p:cond delay="0"/>
-                                          </p:stCondLst>
-                                        </p:cTn>
-                                        <p:tgtEl>
-                                          <p:spTgt spid="3">
-                                            <p:txEl>
-                                              <p:pRg st="3" end="3"/>
-                                            </p:txEl>
-                                          </p:spTgt>
-                                        </p:tgtEl>
-                                        <p:attrNameLst>
-                                          <p:attrName>style.visibility</p:attrName>
-                                        </p:attrNameLst>
-                                      </p:cBhvr>
-                                      <p:to>
-                                        <p:strVal val="visible"/>
-                                      </p:to>
-                                    </p:set>
-                                  </p:childTnLst>
-                                </p:cTn>
-                              </p:par>
-                            </p:childTnLst>
-                          </p:cTn>
-                        </p:par>
-                      </p:childTnLst>
-                    </p:cTn>
-                  </p:par>
-                </p:childTnLst>
-              </p:cTn>
-              <p:prevCondLst>
-                <p:cond evt="onPrev" delay="0">
-                  <p:tgtEl>
-                    <p:sldTgt/>
-                  </p:tgtEl>
-                </p:cond>
-              </p:prevCondLst>
-              <p:nextCondLst>
-                <p:cond evt="onNext" delay="0">
-                  <p:tgtEl>
-                    <p:sldTgt/>
-                  </p:tgtEl>
-                </p:cond>
-              </p:nextCondLst>
-            </p:seq>
-          </p:childTnLst>
-        </p:cTn>
-      </p:par>
-    </p:tnLst>
-    <p:bldLst>
-      <p:bldP spid="3" grpId="0" uiExpand="1" build="p"/>
-    </p:bldLst>
-  </p:timing>
-</p:sld>
-</file>
-
-<file path=ppt/slides/slide9.xml><?xml version="1.0" encoding="utf-8"?>
-<p:sld xmlns:a="http://schemas.openxmlformats.org/drawingml/2006/main" xmlns:r="http://schemas.openxmlformats.org/officeDocument/2006/relationships" xmlns:p="http://schemas.openxmlformats.org/presentationml/2006/main">
-  <p:cSld>
-    <p:spTree>
-      <p:nvGrpSpPr>
-        <p:cNvPr id="1" name=""/>
-        <p:cNvGrpSpPr/>
-        <p:nvPr/>
-      </p:nvGrpSpPr>
-      <p:grpSpPr>
-        <a:xfrm>
-          <a:off x="0" y="0"/>
-          <a:ext cx="0" cy="0"/>
-          <a:chOff x="0" y="0"/>
-          <a:chExt cx="0" cy="0"/>
-        </a:xfrm>
-      </p:grpSpPr>
-      <p:sp>
-        <p:nvSpPr>
-          <p:cNvPr id="2" name="Title 1">
-            <a:extLst>
-              <a:ext uri="{FF2B5EF4-FFF2-40B4-BE49-F238E27FC236}">
-                <a16:creationId xmlns:a16="http://schemas.microsoft.com/office/drawing/2014/main" id="{DD9B8E45-0772-954C-8D4B-6E6808DFEDED}"/>
-              </a:ext>
-            </a:extLst>
-          </p:cNvPr>
-          <p:cNvSpPr>
-            <a:spLocks noGrp="1"/>
-          </p:cNvSpPr>
-          <p:nvPr>
-            <p:ph type="title"/>
-          </p:nvPr>
-        </p:nvSpPr>
-        <p:spPr>
-          <a:xfrm>
-            <a:off x="838200" y="365129"/>
-            <a:ext cx="10002520" cy="1325563"/>
-          </a:xfrm>
-          <a:prstGeom prst="rect">
-            <a:avLst/>
-          </a:prstGeom>
-        </p:spPr>
-        <p:txBody>
-          <a:bodyPr/>
-          <a:lstStyle/>
-          <a:p>
-            <a:pPr lvl="0" indent="0" marL="0">
-              <a:buNone/>
-            </a:pPr>
-            <a:r>
-              <a:rPr/>
-              <a:t>APA 7 Mini-Dissertation Template</a:t>
-            </a:r>
-          </a:p>
-        </p:txBody>
-      </p:sp>
-      <p:sp>
-        <p:nvSpPr>
-          <p:cNvPr id="3" name="Content Placeholder 2">
-            <a:extLst>
-              <a:ext uri="{FF2B5EF4-FFF2-40B4-BE49-F238E27FC236}">
-                <a16:creationId xmlns:a16="http://schemas.microsoft.com/office/drawing/2014/main" id="{A4EB24F9-04F1-C843-9D71-56C5C024552B}"/>
-              </a:ext>
-            </a:extLst>
-          </p:cNvPr>
-          <p:cNvSpPr>
-            <a:spLocks noGrp="1"/>
-          </p:cNvSpPr>
-          <p:nvPr>
-            <p:ph idx="1"/>
-          </p:nvPr>
-        </p:nvSpPr>
-        <p:spPr/>
-        <p:txBody>
-          <a:bodyPr/>
-          <a:lstStyle/>
-          <a:p>
-            <a:pPr lvl="0" indent="0" marL="0">
-              <a:buNone/>
-            </a:pPr>
-            <a:r>
-              <a:rPr/>
-              <a:t>Your Mini-Dissertations must conform to the correct format.</a:t>
-            </a:r>
-          </a:p>
-          <a:p>
-            <a:pPr lvl="0" indent="0" marL="0">
-              <a:buNone/>
-            </a:pPr>
-            <a:r>
-              <a:rPr b="1"/>
-              <a:t>We use APA 7</a:t>
-            </a:r>
-            <a:r>
-              <a:rPr b="1" baseline="30000"/>
-              <a:t>th</a:t>
-            </a:r>
-            <a:r>
-              <a:rPr b="1"/>
-              <a:t> Edition and in the style of a professional journal article manuscript submission.</a:t>
-            </a:r>
-          </a:p>
-          <a:p>
-            <a:pPr lvl="0"/>
-            <a:r>
-              <a:rPr/>
-              <a:t>The word document template features all the major stylistic formatting you will need, with some helpful pointers throughout.</a:t>
-            </a:r>
-          </a:p>
-          <a:p>
-            <a:pPr lvl="0"/>
-            <a:r>
-              <a:rPr/>
-              <a:t>When you write your Mini-Dissertation, you just need to delete all the tips and put in your wonderfully crafted prose and results!</a:t>
-            </a:r>
-          </a:p>
-          <a:p>
-            <a:pPr lvl="0"/>
-            <a:r>
-              <a:rPr/>
-              <a:t>A common mistake is to deviate from the APA formatting. Please try not to do this!</a:t>
-            </a:r>
-          </a:p>
-        </p:txBody>
-      </p:sp>
-    </p:spTree>
-  </p:cSld>
-  <p:timing>
-    <p:tnLst>
-      <p:par>
-        <p:cTn id="1" dur="indefinite" restart="never" nodeType="tmRoot">
-          <p:childTnLst>
-            <p:seq concurrent="1" nextAc="seek">
-              <p:cTn id="2" dur="indefinite" nodeType="mainSeq">
-                <p:childTnLst>
-                  <p:par>
-                    <p:cTn id="3" fill="hold">
-                      <p:stCondLst>
-                        <p:cond delay="indefinite"/>
-                      </p:stCondLst>
-                      <p:childTnLst>
-                        <p:par>
-                          <p:cTn id="4" fill="hold">
-                            <p:stCondLst>
-                              <p:cond delay="0"/>
-                            </p:stCondLst>
-                            <p:childTnLst>
-                              <p:par>
-                                <p:cTn id="5" presetID="1" presetClass="entr" presetSubtype="0" fill="hold" grpId="0" nodeType="clickEffect">
-                                  <p:stCondLst>
-                                    <p:cond delay="0"/>
-                                  </p:stCondLst>
-                                  <p:childTnLst>
-                                    <p:set>
-                                      <p:cBhvr>
-                                        <p:cTn id="6" dur="1" fill="hold">
-                                          <p:stCondLst>
-                                            <p:cond delay="0"/>
-                                          </p:stCondLst>
-                                        </p:cTn>
-                                        <p:tgtEl>
-                                          <p:spTgt spid="3">
-                                            <p:txEl>
-                                              <p:pRg st="2" end="2"/>
-                                            </p:txEl>
-                                          </p:spTgt>
-                                        </p:tgtEl>
-                                        <p:attrNameLst>
-                                          <p:attrName>style.visibility</p:attrName>
-                                        </p:attrNameLst>
-                                      </p:cBhvr>
-                                      <p:to>
-                                        <p:strVal val="visible"/>
-                                      </p:to>
-                                    </p:set>
-                                  </p:childTnLst>
-                                </p:cTn>
-                              </p:par>
-                            </p:childTnLst>
-                          </p:cTn>
-                        </p:par>
-                      </p:childTnLst>
-                    </p:cTn>
-                  </p:par>
-                  <p:par>
-                    <p:cTn id="7" fill="hold">
-                      <p:stCondLst>
-                        <p:cond delay="indefinite"/>
-                      </p:stCondLst>
-                      <p:childTnLst>
-                        <p:par>
-                          <p:cTn id="8" fill="hold">
-                            <p:stCondLst>
-                              <p:cond delay="0"/>
-                            </p:stCondLst>
-                            <p:childTnLst>
-                              <p:par>
-                                <p:cTn id="9" presetID="1" presetClass="entr" presetSubtype="0" fill="hold" grpId="0" nodeType="clickEffect">
-                                  <p:stCondLst>
-                                    <p:cond delay="0"/>
-                                  </p:stCondLst>
-                                  <p:childTnLst>
-                                    <p:set>
-                                      <p:cBhvr>
-                                        <p:cTn id="10" dur="1" fill="hold">
-                                          <p:stCondLst>
-                                            <p:cond delay="0"/>
-                                          </p:stCondLst>
-                                        </p:cTn>
-                                        <p:tgtEl>
-                                          <p:spTgt spid="3">
-                                            <p:txEl>
-                                              <p:pRg st="3" end="3"/>
-                                            </p:txEl>
-                                          </p:spTgt>
-                                        </p:tgtEl>
-                                        <p:attrNameLst>
-                                          <p:attrName>style.visibility</p:attrName>
-                                        </p:attrNameLst>
-                                      </p:cBhvr>
-                                      <p:to>
-                                        <p:strVal val="visible"/>
-                                      </p:to>
-                                    </p:set>
-                                  </p:childTnLst>
-                                </p:cTn>
-                              </p:par>
-                            </p:childTnLst>
-                          </p:cTn>
-                        </p:par>
-                      </p:childTnLst>
-                    </p:cTn>
-                  </p:par>
-                  <p:par>
-                    <p:cTn id="11" fill="hold">
-                      <p:stCondLst>
-                        <p:cond delay="indefinite"/>
-                      </p:stCondLst>
-                      <p:childTnLst>
-                        <p:par>
-                          <p:cTn id="12" fill="hold">
-                            <p:stCondLst>
-                              <p:cond delay="0"/>
-                            </p:stCondLst>
-                            <p:childTnLst>
-                              <p:par>
-                                <p:cTn id="13" presetID="1" presetClass="entr" presetSubtype="0" fill="hold" grpId="0" nodeType="clickEffect">
-                                  <p:stCondLst>
-                                    <p:cond delay="0"/>
-                                  </p:stCondLst>
-                                  <p:childTnLst>
-                                    <p:set>
-                                      <p:cBhvr>
-                                        <p:cTn id="14" dur="1" fill="hold">
-                                          <p:stCondLst>
-                                            <p:cond delay="0"/>
-                                          </p:stCondLst>
-                                        </p:cTn>
-                                        <p:tgtEl>
-                                          <p:spTgt spid="3">
-                                            <p:txEl>
-                                              <p:pRg st="4" end="4"/>
                                             </p:txEl>
                                           </p:spTgt>
                                         </p:tgtEl>
